--- a/doc/扫雷.pptx
+++ b/doc/扫雷.pptx
@@ -126,7 +126,7 @@
   </p:defaultTextStyle>
   <p:extLst>
     <p:ext uri="{EFAFB233-063F-42B5-8137-9DF3F51BA10A}">
-      <p15:sldGuideLst xmlns:p15="http://schemas.microsoft.com/office/powerpoint/2012/main">
+      <p15:sldGuideLst xmlns:p15="http://schemas.microsoft.com/office/powerpoint/2012/main" xmlns="">
         <p15:guide id="1" orient="horz" pos="2160">
           <p15:clr>
             <a:srgbClr val="A4A3A4"/>
@@ -225,7 +225,7 @@
           <a:p>
             <a:fld id="{170BCBEC-2BB4-4AC4-A61C-7BB0931099B5}" type="datetimeFigureOut">
               <a:rPr lang="zh-CN" altLang="en-US" smtClean="0"/>
-              <a:t>2019/12/31</a:t>
+              <a:t>2020/1/1</a:t>
             </a:fld>
             <a:endParaRPr lang="zh-CN" altLang="en-US"/>
           </a:p>
@@ -390,6 +390,11 @@
         </p:txBody>
       </p:sp>
     </p:spTree>
+    <p:extLst>
+      <p:ext uri="{BB962C8B-B14F-4D97-AF65-F5344CB8AC3E}">
+        <p14:creationId xmlns:p14="http://schemas.microsoft.com/office/powerpoint/2010/main" val="2624352832"/>
+      </p:ext>
+    </p:extLst>
   </p:cSld>
   <p:clrMap bg1="lt1" tx1="dk1" bg2="lt2" tx2="dk2" accent1="accent1" accent2="accent2" accent3="accent3" accent4="accent4" accent5="accent5" accent6="accent6" hlink="hlink" folHlink="folHlink"/>
   <p:notesStyle>
@@ -758,7 +763,7 @@
           <a:p>
             <a:fld id="{818F2DAA-36EA-4F0C-901F-735D510B7A7A}" type="datetime1">
               <a:rPr lang="zh-CN" altLang="en-US" smtClean="0"/>
-              <a:t>2019/12/31</a:t>
+              <a:t>2020/1/1</a:t>
             </a:fld>
             <a:endParaRPr lang="zh-CN" altLang="en-US"/>
           </a:p>
@@ -983,7 +988,7 @@
           <a:p>
             <a:fld id="{818F2DAA-36EA-4F0C-901F-735D510B7A7A}" type="datetime1">
               <a:rPr lang="zh-CN" altLang="en-US" smtClean="0"/>
-              <a:t>2019/12/31</a:t>
+              <a:t>2020/1/1</a:t>
             </a:fld>
             <a:endParaRPr lang="zh-CN" altLang="en-US"/>
           </a:p>
@@ -1573,7 +1578,7 @@
           <a:p>
             <a:fld id="{818F2DAA-36EA-4F0C-901F-735D510B7A7A}" type="datetime1">
               <a:rPr lang="zh-CN" altLang="en-US" smtClean="0"/>
-              <a:t>2019/12/31</a:t>
+              <a:t>2020/1/1</a:t>
             </a:fld>
             <a:endParaRPr lang="zh-CN" altLang="en-US"/>
           </a:p>
@@ -1793,7 +1798,7 @@
           <a:p>
             <a:fld id="{818F2DAA-36EA-4F0C-901F-735D510B7A7A}" type="datetime1">
               <a:rPr lang="zh-CN" altLang="en-US" smtClean="0"/>
-              <a:t>2019/12/31</a:t>
+              <a:t>2020/1/1</a:t>
             </a:fld>
             <a:endParaRPr lang="zh-CN" altLang="en-US"/>
           </a:p>
@@ -2598,7 +2603,7 @@
           <a:p>
             <a:fld id="{818F2DAA-36EA-4F0C-901F-735D510B7A7A}" type="datetime1">
               <a:rPr lang="zh-CN" altLang="en-US" smtClean="0"/>
-              <a:t>2019/12/31</a:t>
+              <a:t>2020/1/1</a:t>
             </a:fld>
             <a:endParaRPr lang="zh-CN" altLang="en-US"/>
           </a:p>
@@ -3954,7 +3959,7 @@
           <a:p>
             <a:fld id="{818F2DAA-36EA-4F0C-901F-735D510B7A7A}" type="datetime1">
               <a:rPr lang="zh-CN" altLang="en-US" smtClean="0"/>
-              <a:t>2019/12/31</a:t>
+              <a:t>2020/1/1</a:t>
             </a:fld>
             <a:endParaRPr lang="zh-CN" altLang="en-US"/>
           </a:p>
@@ -4056,7 +4061,7 @@
           <a:p>
             <a:fld id="{818F2DAA-36EA-4F0C-901F-735D510B7A7A}" type="datetime1">
               <a:rPr lang="zh-CN" altLang="en-US" smtClean="0"/>
-              <a:t>2019/12/31</a:t>
+              <a:t>2020/1/1</a:t>
             </a:fld>
             <a:endParaRPr lang="zh-CN" altLang="en-US"/>
           </a:p>
@@ -4331,7 +4336,7 @@
           <a:p>
             <a:fld id="{818F2DAA-36EA-4F0C-901F-735D510B7A7A}" type="datetime1">
               <a:rPr lang="zh-CN" altLang="en-US" smtClean="0"/>
-              <a:t>2019/12/31</a:t>
+              <a:t>2020/1/1</a:t>
             </a:fld>
             <a:endParaRPr lang="zh-CN" altLang="en-US"/>
           </a:p>
@@ -4537,7 +4542,7 @@
           <a:p>
             <a:fld id="{818F2DAA-36EA-4F0C-901F-735D510B7A7A}" type="datetime1">
               <a:rPr lang="zh-CN" altLang="en-US" smtClean="0"/>
-              <a:t>2019/12/31</a:t>
+              <a:t>2020/1/1</a:t>
             </a:fld>
             <a:endParaRPr lang="zh-CN" altLang="en-US"/>
           </a:p>
@@ -4850,7 +4855,7 @@
           <a:p>
             <a:fld id="{818F2DAA-36EA-4F0C-901F-735D510B7A7A}" type="datetime1">
               <a:rPr lang="zh-CN" altLang="en-US" smtClean="0"/>
-              <a:t>2019/12/31</a:t>
+              <a:t>2020/1/1</a:t>
             </a:fld>
             <a:endParaRPr lang="zh-CN" altLang="en-US"/>
           </a:p>
@@ -5477,7 +5482,7 @@
         </p:blipFill>
         <p:spPr>
           <a:xfrm>
-            <a:off x="0" y="-495300"/>
+            <a:off x="0" y="-486156"/>
             <a:ext cx="12192000" cy="3779838"/>
           </a:xfrm>
           <a:prstGeom prst="rect">
@@ -7251,7 +7256,7 @@
           <p:cNvPr id="6" name="组合 5">
             <a:extLst>
               <a:ext uri="{FF2B5EF4-FFF2-40B4-BE49-F238E27FC236}">
-                <a16:creationId xmlns:a16="http://schemas.microsoft.com/office/drawing/2014/main" id="{9619D55B-88EB-4A35-97E8-14D2CD6CE907}"/>
+                <a16:creationId xmlns:a16="http://schemas.microsoft.com/office/drawing/2014/main" xmlns="" id="{9619D55B-88EB-4A35-97E8-14D2CD6CE907}"/>
               </a:ext>
             </a:extLst>
           </p:cNvPr>
@@ -7271,7 +7276,7 @@
             <p:cNvPr id="7" name="圆角矩形 36">
               <a:extLst>
                 <a:ext uri="{FF2B5EF4-FFF2-40B4-BE49-F238E27FC236}">
-                  <a16:creationId xmlns:a16="http://schemas.microsoft.com/office/drawing/2014/main" id="{6F32CA69-5093-47FA-A55C-9325B16CB1D4}"/>
+                  <a16:creationId xmlns:a16="http://schemas.microsoft.com/office/drawing/2014/main" xmlns="" id="{6F32CA69-5093-47FA-A55C-9325B16CB1D4}"/>
                 </a:ext>
               </a:extLst>
             </p:cNvPr>
@@ -7325,7 +7330,7 @@
             <p:cNvPr id="8" name="矩形 7">
               <a:extLst>
                 <a:ext uri="{FF2B5EF4-FFF2-40B4-BE49-F238E27FC236}">
-                  <a16:creationId xmlns:a16="http://schemas.microsoft.com/office/drawing/2014/main" id="{E396F2DA-9F9F-486A-A776-A69E0F5D10BA}"/>
+                  <a16:creationId xmlns:a16="http://schemas.microsoft.com/office/drawing/2014/main" xmlns="" id="{E396F2DA-9F9F-486A-A776-A69E0F5D10BA}"/>
                 </a:ext>
               </a:extLst>
             </p:cNvPr>
@@ -7364,7 +7369,7 @@
           <p:cNvPr id="3" name="矩形 2">
             <a:extLst>
               <a:ext uri="{FF2B5EF4-FFF2-40B4-BE49-F238E27FC236}">
-                <a16:creationId xmlns:a16="http://schemas.microsoft.com/office/drawing/2014/main" id="{4F21311E-1F31-4796-91C9-8C32E7C12592}"/>
+                <a16:creationId xmlns:a16="http://schemas.microsoft.com/office/drawing/2014/main" xmlns="" id="{4F21311E-1F31-4796-91C9-8C32E7C12592}"/>
               </a:ext>
             </a:extLst>
           </p:cNvPr>
@@ -7440,15 +7445,55 @@
                   <a:schemeClr val="accent4"/>
                 </a:solidFill>
               </a:rPr>
-              <a:t>列的网格游戏区随即的不上</a:t>
-            </a:r>
-            <a:r>
-              <a:rPr lang="en-US" altLang="zh-CN" dirty="0">
+              <a:t>列的网格游戏</a:t>
+            </a:r>
+            <a:r>
+              <a:rPr lang="zh-CN" altLang="en-US" dirty="0" smtClean="0">
                 <a:solidFill>
                   <a:schemeClr val="accent4"/>
                 </a:solidFill>
               </a:rPr>
-              <a:t>bon</a:t>
+              <a:t>区</a:t>
+            </a:r>
+            <a:r>
+              <a:rPr lang="zh-CN" altLang="en-US" dirty="0" smtClean="0">
+                <a:solidFill>
+                  <a:schemeClr val="accent4"/>
+                </a:solidFill>
+              </a:rPr>
+              <a:t>随机</a:t>
+            </a:r>
+            <a:r>
+              <a:rPr lang="zh-CN" altLang="en-US" dirty="0" smtClean="0">
+                <a:solidFill>
+                  <a:schemeClr val="accent4"/>
+                </a:solidFill>
+              </a:rPr>
+              <a:t>的</a:t>
+            </a:r>
+            <a:r>
+              <a:rPr lang="zh-CN" altLang="en-US" dirty="0" smtClean="0">
+                <a:solidFill>
+                  <a:schemeClr val="accent4"/>
+                </a:solidFill>
+              </a:rPr>
+              <a:t>布</a:t>
+            </a:r>
+            <a:r>
+              <a:rPr lang="zh-CN" altLang="en-US" dirty="0" smtClean="0">
+                <a:solidFill>
+                  <a:schemeClr val="accent4"/>
+                </a:solidFill>
+              </a:rPr>
+              <a:t>上</a:t>
+            </a:r>
+            <a:r>
+              <a:rPr lang="en-US" altLang="zh-CN" dirty="0" smtClean="0">
+                <a:solidFill>
+                  <a:schemeClr val="accent4"/>
+                </a:solidFill>
+              </a:rPr>
+              <a:t>n</a:t>
             </a:r>
             <a:r>
               <a:rPr lang="zh-CN" altLang="en-US" dirty="0">
@@ -7456,15 +7501,23 @@
                   <a:schemeClr val="accent4"/>
                 </a:solidFill>
               </a:rPr>
-              <a:t>个雷，且</a:t>
-            </a:r>
-            <a:r>
-              <a:rPr lang="en-US" altLang="zh-CN" dirty="0">
+              <a:t>个雷，</a:t>
+            </a:r>
+            <a:r>
+              <a:rPr lang="zh-CN" altLang="en-US" dirty="0" smtClean="0">
                 <a:solidFill>
                   <a:schemeClr val="accent4"/>
                 </a:solidFill>
               </a:rPr>
-              <a:t>bon</a:t>
+              <a:t>且</a:t>
+            </a:r>
+            <a:r>
+              <a:rPr lang="en-US" altLang="zh-CN" dirty="0" smtClean="0">
+                <a:solidFill>
+                  <a:schemeClr val="accent4"/>
+                </a:solidFill>
+              </a:rPr>
+              <a:t>n</a:t>
             </a:r>
             <a:r>
               <a:rPr lang="zh-CN" altLang="en-US" dirty="0">
@@ -7523,12 +7576,12 @@
               <a:t>这可以在一张</a:t>
             </a:r>
             <a:r>
-              <a:rPr lang="en-US" altLang="zh-CN" dirty="0">
+              <a:rPr lang="en-US" altLang="zh-CN" dirty="0" smtClean="0">
                 <a:solidFill>
                   <a:schemeClr val="accent4"/>
                 </a:solidFill>
               </a:rPr>
-              <a:t>MN</a:t>
+              <a:t>M*N</a:t>
             </a:r>
             <a:r>
               <a:rPr lang="zh-CN" altLang="en-US" dirty="0">
@@ -7536,15 +7589,23 @@
                   <a:schemeClr val="accent4"/>
                 </a:solidFill>
               </a:rPr>
-              <a:t>的网格上通过均匀分布的随即算法视线。其中</a:t>
-            </a:r>
-            <a:r>
-              <a:rPr lang="en-US" altLang="zh-CN" dirty="0">
+              <a:t>的网格上通过均匀分布的随即算法视线。</a:t>
+            </a:r>
+            <a:r>
+              <a:rPr lang="zh-CN" altLang="en-US" dirty="0" smtClean="0">
                 <a:solidFill>
                   <a:schemeClr val="accent4"/>
                 </a:solidFill>
               </a:rPr>
-              <a:t>bon</a:t>
+              <a:t>其中</a:t>
+            </a:r>
+            <a:r>
+              <a:rPr lang="en-US" altLang="zh-CN" dirty="0" smtClean="0">
+                <a:solidFill>
+                  <a:schemeClr val="accent4"/>
+                </a:solidFill>
+              </a:rPr>
+              <a:t>n</a:t>
             </a:r>
             <a:r>
               <a:rPr lang="zh-CN" altLang="en-US" dirty="0">
@@ -7626,7 +7687,7 @@
           <p:cNvPr id="4" name="矩形 3">
             <a:extLst>
               <a:ext uri="{FF2B5EF4-FFF2-40B4-BE49-F238E27FC236}">
-                <a16:creationId xmlns:a16="http://schemas.microsoft.com/office/drawing/2014/main" id="{499C6479-A4C3-4BBE-B46C-A20D057EB1F6}"/>
+                <a16:creationId xmlns:a16="http://schemas.microsoft.com/office/drawing/2014/main" xmlns="" id="{499C6479-A4C3-4BBE-B46C-A20D057EB1F6}"/>
               </a:ext>
             </a:extLst>
           </p:cNvPr>
@@ -7636,7 +7697,7 @@
         <p:spPr>
           <a:xfrm>
             <a:off x="2487683" y="1676418"/>
-            <a:ext cx="2864887" cy="369332"/>
+            <a:ext cx="3954929" cy="369332"/>
           </a:xfrm>
           <a:prstGeom prst="rect">
             <a:avLst/>
@@ -7657,12 +7718,36 @@
               <a:t>  (1)  </a:t>
             </a:r>
             <a:r>
+              <a:rPr lang="zh-CN" altLang="en-US" dirty="0" smtClean="0">
+                <a:solidFill>
+                  <a:schemeClr val="accent4"/>
+                </a:solidFill>
+              </a:rPr>
+              <a:t>计算</a:t>
+            </a:r>
+            <a:r>
+              <a:rPr lang="zh-CN" altLang="en-US" dirty="0" smtClean="0">
+                <a:solidFill>
+                  <a:schemeClr val="accent4"/>
+                </a:solidFill>
+              </a:rPr>
+              <a:t>每个方块</a:t>
+            </a:r>
+            <a:r>
+              <a:rPr lang="zh-CN" altLang="en-US" dirty="0" smtClean="0">
+                <a:solidFill>
+                  <a:schemeClr val="accent4"/>
+                </a:solidFill>
+              </a:rPr>
+              <a:t>周围存在的雷</a:t>
+            </a:r>
+            <a:r>
               <a:rPr lang="zh-CN" altLang="en-US" dirty="0">
                 <a:solidFill>
                   <a:schemeClr val="accent4"/>
                 </a:solidFill>
               </a:rPr>
-              <a:t>计算按钮周围雷数。</a:t>
+              <a:t>数。</a:t>
             </a:r>
           </a:p>
         </p:txBody>
@@ -7931,7 +8016,7 @@
           <p:cNvPr id="6" name="矩形 5">
             <a:extLst>
               <a:ext uri="{FF2B5EF4-FFF2-40B4-BE49-F238E27FC236}">
-                <a16:creationId xmlns:a16="http://schemas.microsoft.com/office/drawing/2014/main" id="{057EB775-2C79-4BAA-9255-971686F64403}"/>
+                <a16:creationId xmlns:a16="http://schemas.microsoft.com/office/drawing/2014/main" xmlns="" id="{057EB775-2C79-4BAA-9255-971686F64403}"/>
               </a:ext>
             </a:extLst>
           </p:cNvPr>
@@ -8027,7 +8112,7 @@
           <p:cNvPr id="7" name="矩形 6">
             <a:extLst>
               <a:ext uri="{FF2B5EF4-FFF2-40B4-BE49-F238E27FC236}">
-                <a16:creationId xmlns:a16="http://schemas.microsoft.com/office/drawing/2014/main" id="{607EB303-CB3E-4E17-83E7-FB03F06F2290}"/>
+                <a16:creationId xmlns:a16="http://schemas.microsoft.com/office/drawing/2014/main" xmlns="" id="{607EB303-CB3E-4E17-83E7-FB03F06F2290}"/>
               </a:ext>
             </a:extLst>
           </p:cNvPr>
@@ -8138,7 +8223,7 @@
           <p:cNvPr id="2" name="文本框 1">
             <a:extLst>
               <a:ext uri="{FF2B5EF4-FFF2-40B4-BE49-F238E27FC236}">
-                <a16:creationId xmlns:a16="http://schemas.microsoft.com/office/drawing/2014/main" id="{63E03BA4-90BF-4219-B768-666A0D15B8C6}"/>
+                <a16:creationId xmlns:a16="http://schemas.microsoft.com/office/drawing/2014/main" xmlns="" id="{63E03BA4-90BF-4219-B768-666A0D15B8C6}"/>
               </a:ext>
             </a:extLst>
           </p:cNvPr>
@@ -8179,7 +8264,7 @@
           <p:cNvPr id="3" name="文本框 2">
             <a:extLst>
               <a:ext uri="{FF2B5EF4-FFF2-40B4-BE49-F238E27FC236}">
-                <a16:creationId xmlns:a16="http://schemas.microsoft.com/office/drawing/2014/main" id="{EE27121B-D670-4F8A-A7F9-4E0B3EEB2045}"/>
+                <a16:creationId xmlns:a16="http://schemas.microsoft.com/office/drawing/2014/main" xmlns="" id="{EE27121B-D670-4F8A-A7F9-4E0B3EEB2045}"/>
               </a:ext>
             </a:extLst>
           </p:cNvPr>
@@ -8189,7 +8274,7 @@
         <p:spPr>
           <a:xfrm>
             <a:off x="7474998" y="1755784"/>
-            <a:ext cx="1415772" cy="461665"/>
+            <a:ext cx="2954655" cy="461665"/>
           </a:xfrm>
           <a:prstGeom prst="rect">
             <a:avLst/>
@@ -8203,14 +8288,34 @@
           <a:lstStyle/>
           <a:p>
             <a:r>
-              <a:rPr lang="zh-CN" altLang="en-US" sz="2400" b="1" dirty="0">
+              <a:rPr lang="zh-CN" altLang="en-US" sz="2400" b="1" dirty="0" smtClean="0">
                 <a:solidFill>
                   <a:schemeClr val="accent4"/>
                 </a:solidFill>
                 <a:latin typeface="微软雅黑" panose="020B0503020204020204" pitchFamily="34" charset="-122"/>
                 <a:ea typeface="微软雅黑" panose="020B0503020204020204" pitchFamily="34" charset="-122"/>
               </a:rPr>
-              <a:t>类的设计</a:t>
+              <a:t>数据模型中类</a:t>
+            </a:r>
+            <a:r>
+              <a:rPr lang="zh-CN" altLang="en-US" sz="2400" b="1" dirty="0" smtClean="0">
+                <a:solidFill>
+                  <a:schemeClr val="accent4"/>
+                </a:solidFill>
+                <a:latin typeface="微软雅黑" panose="020B0503020204020204" pitchFamily="34" charset="-122"/>
+                <a:ea typeface="微软雅黑" panose="020B0503020204020204" pitchFamily="34" charset="-122"/>
+              </a:rPr>
+              <a:t>的</a:t>
+            </a:r>
+            <a:r>
+              <a:rPr lang="zh-CN" altLang="en-US" sz="2400" b="1" dirty="0">
+                <a:solidFill>
+                  <a:schemeClr val="accent4"/>
+                </a:solidFill>
+                <a:latin typeface="微软雅黑" panose="020B0503020204020204" pitchFamily="34" charset="-122"/>
+                <a:ea typeface="微软雅黑" panose="020B0503020204020204" pitchFamily="34" charset="-122"/>
+              </a:rPr>
+              <a:t>设计</a:t>
             </a:r>
           </a:p>
         </p:txBody>
@@ -8220,7 +8325,7 @@
           <p:cNvPr id="12" name="组合 11">
             <a:extLst>
               <a:ext uri="{FF2B5EF4-FFF2-40B4-BE49-F238E27FC236}">
-                <a16:creationId xmlns:a16="http://schemas.microsoft.com/office/drawing/2014/main" id="{1BB43137-7F26-4517-A8A1-02D8D52F9BF1}"/>
+                <a16:creationId xmlns:a16="http://schemas.microsoft.com/office/drawing/2014/main" xmlns="" id="{1BB43137-7F26-4517-A8A1-02D8D52F9BF1}"/>
               </a:ext>
             </a:extLst>
           </p:cNvPr>
@@ -8240,7 +8345,7 @@
             <p:cNvPr id="13" name="圆角矩形 36">
               <a:extLst>
                 <a:ext uri="{FF2B5EF4-FFF2-40B4-BE49-F238E27FC236}">
-                  <a16:creationId xmlns:a16="http://schemas.microsoft.com/office/drawing/2014/main" id="{DEFBB06B-A904-4213-AB67-B2B32021DA52}"/>
+                  <a16:creationId xmlns:a16="http://schemas.microsoft.com/office/drawing/2014/main" xmlns="" id="{DEFBB06B-A904-4213-AB67-B2B32021DA52}"/>
                 </a:ext>
               </a:extLst>
             </p:cNvPr>
@@ -8294,7 +8399,7 @@
             <p:cNvPr id="14" name="矩形 13">
               <a:extLst>
                 <a:ext uri="{FF2B5EF4-FFF2-40B4-BE49-F238E27FC236}">
-                  <a16:creationId xmlns:a16="http://schemas.microsoft.com/office/drawing/2014/main" id="{F85E189F-8B3C-485C-B09C-8BF2B56BAA4E}"/>
+                  <a16:creationId xmlns:a16="http://schemas.microsoft.com/office/drawing/2014/main" xmlns="" id="{F85E189F-8B3C-485C-B09C-8BF2B56BAA4E}"/>
                 </a:ext>
               </a:extLst>
             </p:cNvPr>
@@ -8333,7 +8438,7 @@
           <p:cNvPr id="8" name="矩形 7">
             <a:extLst>
               <a:ext uri="{FF2B5EF4-FFF2-40B4-BE49-F238E27FC236}">
-                <a16:creationId xmlns:a16="http://schemas.microsoft.com/office/drawing/2014/main" id="{7FE39FCC-6225-41B9-8017-C84FCB56F187}"/>
+                <a16:creationId xmlns:a16="http://schemas.microsoft.com/office/drawing/2014/main" xmlns="" id="{7FE39FCC-6225-41B9-8017-C84FCB56F187}"/>
               </a:ext>
             </a:extLst>
           </p:cNvPr>
@@ -8404,7 +8509,7 @@
           <p:cNvPr id="16" name="组合 15">
             <a:extLst>
               <a:ext uri="{FF2B5EF4-FFF2-40B4-BE49-F238E27FC236}">
-                <a16:creationId xmlns:a16="http://schemas.microsoft.com/office/drawing/2014/main" id="{E29CAC35-BC00-4DA5-BD9A-BB5F226DE2E8}"/>
+                <a16:creationId xmlns:a16="http://schemas.microsoft.com/office/drawing/2014/main" xmlns="" id="{E29CAC35-BC00-4DA5-BD9A-BB5F226DE2E8}"/>
               </a:ext>
             </a:extLst>
           </p:cNvPr>
@@ -8424,7 +8529,7 @@
             <p:cNvPr id="17" name="圆角矩形 36">
               <a:extLst>
                 <a:ext uri="{FF2B5EF4-FFF2-40B4-BE49-F238E27FC236}">
-                  <a16:creationId xmlns:a16="http://schemas.microsoft.com/office/drawing/2014/main" id="{43898756-0A5C-4433-A978-FFEEF8AEE6F2}"/>
+                  <a16:creationId xmlns:a16="http://schemas.microsoft.com/office/drawing/2014/main" xmlns="" id="{43898756-0A5C-4433-A978-FFEEF8AEE6F2}"/>
                 </a:ext>
               </a:extLst>
             </p:cNvPr>
@@ -8478,7 +8583,7 @@
             <p:cNvPr id="18" name="矩形 17">
               <a:extLst>
                 <a:ext uri="{FF2B5EF4-FFF2-40B4-BE49-F238E27FC236}">
-                  <a16:creationId xmlns:a16="http://schemas.microsoft.com/office/drawing/2014/main" id="{9BAC13BD-AA8C-4D5E-87A3-E00A6C92F20D}"/>
+                  <a16:creationId xmlns:a16="http://schemas.microsoft.com/office/drawing/2014/main" xmlns="" id="{9BAC13BD-AA8C-4D5E-87A3-E00A6C92F20D}"/>
                 </a:ext>
               </a:extLst>
             </p:cNvPr>
@@ -8517,7 +8622,7 @@
           <p:cNvPr id="9" name="图片 8">
             <a:extLst>
               <a:ext uri="{FF2B5EF4-FFF2-40B4-BE49-F238E27FC236}">
-                <a16:creationId xmlns:a16="http://schemas.microsoft.com/office/drawing/2014/main" id="{E21969A0-E09C-4798-9D88-2ED8B0C6F158}"/>
+                <a16:creationId xmlns:a16="http://schemas.microsoft.com/office/drawing/2014/main" xmlns="" id="{E21969A0-E09C-4798-9D88-2ED8B0C6F158}"/>
               </a:ext>
             </a:extLst>
           </p:cNvPr>
@@ -8806,7 +8911,7 @@
           <p:cNvPr id="6" name="图片 5">
             <a:extLst>
               <a:ext uri="{FF2B5EF4-FFF2-40B4-BE49-F238E27FC236}">
-                <a16:creationId xmlns:a16="http://schemas.microsoft.com/office/drawing/2014/main" id="{93F1EE13-0574-4EEF-918B-FDA27117F027}"/>
+                <a16:creationId xmlns:a16="http://schemas.microsoft.com/office/drawing/2014/main" xmlns="" id="{93F1EE13-0574-4EEF-918B-FDA27117F027}"/>
               </a:ext>
             </a:extLst>
           </p:cNvPr>
@@ -8842,7 +8947,7 @@
           <p:cNvPr id="2" name="文本框 1">
             <a:extLst>
               <a:ext uri="{FF2B5EF4-FFF2-40B4-BE49-F238E27FC236}">
-                <a16:creationId xmlns:a16="http://schemas.microsoft.com/office/drawing/2014/main" id="{8D24E895-23E9-4C9B-B58F-E73E6A4374AB}"/>
+                <a16:creationId xmlns:a16="http://schemas.microsoft.com/office/drawing/2014/main" xmlns="" id="{8D24E895-23E9-4C9B-B58F-E73E6A4374AB}"/>
               </a:ext>
             </a:extLst>
           </p:cNvPr>
@@ -8886,7 +8991,7 @@
           <p:cNvPr id="3" name="文本框 2">
             <a:extLst>
               <a:ext uri="{FF2B5EF4-FFF2-40B4-BE49-F238E27FC236}">
-                <a16:creationId xmlns:a16="http://schemas.microsoft.com/office/drawing/2014/main" id="{279A1083-2D34-446B-B788-189F09843A72}"/>
+                <a16:creationId xmlns:a16="http://schemas.microsoft.com/office/drawing/2014/main" xmlns="" id="{279A1083-2D34-446B-B788-189F09843A72}"/>
               </a:ext>
             </a:extLst>
           </p:cNvPr>
@@ -8896,7 +9001,7 @@
         <p:spPr>
           <a:xfrm>
             <a:off x="2308245" y="1455098"/>
-            <a:ext cx="906017" cy="523220"/>
+            <a:ext cx="1531188" cy="523220"/>
           </a:xfrm>
           <a:prstGeom prst="rect">
             <a:avLst/>
@@ -8910,15 +9015,32 @@
           <a:lstStyle/>
           <a:p>
             <a:r>
-              <a:rPr lang="zh-CN" altLang="en-US" sz="2800" b="1" dirty="0">
+              <a:rPr lang="en-US" altLang="zh-CN" sz="2800" b="1" dirty="0" smtClean="0">
                 <a:solidFill>
                   <a:schemeClr val="accent4"/>
                 </a:solidFill>
                 <a:latin typeface="微软雅黑" panose="020B0503020204020204" pitchFamily="34" charset="-122"/>
                 <a:ea typeface="微软雅黑" panose="020B0503020204020204" pitchFamily="34" charset="-122"/>
               </a:rPr>
-              <a:t>方块</a:t>
-            </a:r>
+              <a:t>Block</a:t>
+            </a:r>
+            <a:r>
+              <a:rPr lang="zh-CN" altLang="en-US" sz="2800" b="1" dirty="0" smtClean="0">
+                <a:solidFill>
+                  <a:schemeClr val="accent4"/>
+                </a:solidFill>
+                <a:latin typeface="微软雅黑" panose="020B0503020204020204" pitchFamily="34" charset="-122"/>
+                <a:ea typeface="微软雅黑" panose="020B0503020204020204" pitchFamily="34" charset="-122"/>
+              </a:rPr>
+              <a:t>类</a:t>
+            </a:r>
+            <a:endParaRPr lang="zh-CN" altLang="en-US" sz="2800" b="1" dirty="0">
+              <a:solidFill>
+                <a:schemeClr val="accent4"/>
+              </a:solidFill>
+              <a:latin typeface="微软雅黑" panose="020B0503020204020204" pitchFamily="34" charset="-122"/>
+              <a:ea typeface="微软雅黑" panose="020B0503020204020204" pitchFamily="34" charset="-122"/>
+            </a:endParaRPr>
           </a:p>
         </p:txBody>
       </p:sp>
@@ -8927,7 +9049,7 @@
           <p:cNvPr id="4" name="文本框 3">
             <a:extLst>
               <a:ext uri="{FF2B5EF4-FFF2-40B4-BE49-F238E27FC236}">
-                <a16:creationId xmlns:a16="http://schemas.microsoft.com/office/drawing/2014/main" id="{3B85EB0A-5996-4E6D-99F5-B49A9D9F02D6}"/>
+                <a16:creationId xmlns:a16="http://schemas.microsoft.com/office/drawing/2014/main" xmlns="" id="{3B85EB0A-5996-4E6D-99F5-B49A9D9F02D6}"/>
               </a:ext>
             </a:extLst>
           </p:cNvPr>
@@ -8967,12 +9089,12 @@
               <a:t>的实例是雷区中的方块，方块可以是雷也可以不是雷。如果方块是雷，该方块的</a:t>
             </a:r>
             <a:r>
-              <a:rPr lang="en-US" altLang="zh-CN" dirty="0">
+              <a:rPr lang="en-US" altLang="zh-CN" dirty="0" err="1" smtClean="0">
                 <a:solidFill>
                   <a:schemeClr val="accent4"/>
                 </a:solidFill>
               </a:rPr>
-              <a:t>is Mine</a:t>
+              <a:t>isMine</a:t>
             </a:r>
             <a:r>
               <a:rPr lang="zh-CN" altLang="en-US" dirty="0">
@@ -8983,12 +9105,12 @@
               <a:t>属性值就是</a:t>
             </a:r>
             <a:r>
-              <a:rPr lang="en-US" altLang="zh-CN" dirty="0" err="1">
+              <a:rPr lang="en-US" altLang="zh-CN" dirty="0" smtClean="0">
                 <a:solidFill>
                   <a:schemeClr val="accent4"/>
                 </a:solidFill>
               </a:rPr>
-              <a:t>tue</a:t>
+              <a:t>true</a:t>
             </a:r>
             <a:r>
               <a:rPr lang="zh-CN" altLang="en-US" dirty="0">
@@ -8996,15 +9118,31 @@
                   <a:schemeClr val="accent4"/>
                 </a:solidFill>
               </a:rPr>
-              <a:t>，否则是</a:t>
-            </a:r>
-            <a:r>
-              <a:rPr lang="en-US" altLang="zh-CN" dirty="0" err="1">
+              <a:t>，否则</a:t>
+            </a:r>
+            <a:r>
+              <a:rPr lang="zh-CN" altLang="en-US" dirty="0" smtClean="0">
                 <a:solidFill>
                   <a:schemeClr val="accent4"/>
                 </a:solidFill>
               </a:rPr>
-              <a:t>flse</a:t>
+              <a:t>是</a:t>
+            </a:r>
+            <a:r>
+              <a:rPr lang="en-US" altLang="zh-CN" dirty="0" smtClean="0">
+                <a:solidFill>
+                  <a:schemeClr val="accent4"/>
+                </a:solidFill>
+              </a:rPr>
+              <a:t>false</a:t>
+            </a:r>
+            <a:r>
+              <a:rPr lang="zh-CN" altLang="en-US" dirty="0" smtClean="0">
+                <a:solidFill>
+                  <a:schemeClr val="accent4"/>
+                </a:solidFill>
+              </a:rPr>
+              <a:t>。</a:t>
             </a:r>
             <a:r>
               <a:rPr lang="zh-CN" altLang="en-US" dirty="0">
@@ -9012,7 +9150,7 @@
                   <a:schemeClr val="accent4"/>
                 </a:solidFill>
               </a:rPr>
-              <a:t>。当方块的 </a:t>
+              <a:t>当方块的 </a:t>
             </a:r>
             <a:r>
               <a:rPr lang="en-US" altLang="zh-CN" dirty="0">
@@ -9222,7 +9360,7 @@
           <p:cNvPr id="10" name="图片 9">
             <a:extLst>
               <a:ext uri="{FF2B5EF4-FFF2-40B4-BE49-F238E27FC236}">
-                <a16:creationId xmlns:a16="http://schemas.microsoft.com/office/drawing/2014/main" id="{B83C6043-062A-4995-94A2-817B253EF417}"/>
+                <a16:creationId xmlns:a16="http://schemas.microsoft.com/office/drawing/2014/main" xmlns="" id="{B83C6043-062A-4995-94A2-817B253EF417}"/>
               </a:ext>
             </a:extLst>
           </p:cNvPr>
@@ -9258,7 +9396,7 @@
           <p:cNvPr id="11" name="文本框 10">
             <a:extLst>
               <a:ext uri="{FF2B5EF4-FFF2-40B4-BE49-F238E27FC236}">
-                <a16:creationId xmlns:a16="http://schemas.microsoft.com/office/drawing/2014/main" id="{004E5F65-076B-4AE0-93DD-A5686B2F4039}"/>
+                <a16:creationId xmlns:a16="http://schemas.microsoft.com/office/drawing/2014/main" xmlns="" id="{004E5F65-076B-4AE0-93DD-A5686B2F4039}"/>
               </a:ext>
             </a:extLst>
           </p:cNvPr>
@@ -9302,7 +9440,7 @@
           <p:cNvPr id="12" name="文本框 11">
             <a:extLst>
               <a:ext uri="{FF2B5EF4-FFF2-40B4-BE49-F238E27FC236}">
-                <a16:creationId xmlns:a16="http://schemas.microsoft.com/office/drawing/2014/main" id="{60C221E6-91EE-4E6A-A281-AE1A5E0FE94D}"/>
+                <a16:creationId xmlns:a16="http://schemas.microsoft.com/office/drawing/2014/main" xmlns="" id="{60C221E6-91EE-4E6A-A281-AE1A5E0FE94D}"/>
               </a:ext>
             </a:extLst>
           </p:cNvPr>
@@ -9312,7 +9450,7 @@
         <p:spPr>
           <a:xfrm>
             <a:off x="2270633" y="3946393"/>
-            <a:ext cx="902811" cy="523220"/>
+            <a:ext cx="2231701" cy="523220"/>
           </a:xfrm>
           <a:prstGeom prst="rect">
             <a:avLst/>
@@ -9326,15 +9464,32 @@
           <a:lstStyle/>
           <a:p>
             <a:r>
-              <a:rPr lang="zh-CN" altLang="en-US" sz="2800" b="1" dirty="0">
+              <a:rPr lang="en-US" altLang="zh-CN" sz="2800" b="1" dirty="0" err="1" smtClean="0">
                 <a:solidFill>
                   <a:schemeClr val="accent4"/>
                 </a:solidFill>
                 <a:latin typeface="微软雅黑" panose="020B0503020204020204" pitchFamily="34" charset="-122"/>
                 <a:ea typeface="微软雅黑" panose="020B0503020204020204" pitchFamily="34" charset="-122"/>
               </a:rPr>
-              <a:t>布雷</a:t>
-            </a:r>
+              <a:t>Laymines</a:t>
+            </a:r>
+            <a:r>
+              <a:rPr lang="zh-CN" altLang="en-US" sz="2800" b="1" dirty="0" smtClean="0">
+                <a:solidFill>
+                  <a:schemeClr val="accent4"/>
+                </a:solidFill>
+                <a:latin typeface="微软雅黑" panose="020B0503020204020204" pitchFamily="34" charset="-122"/>
+                <a:ea typeface="微软雅黑" panose="020B0503020204020204" pitchFamily="34" charset="-122"/>
+              </a:rPr>
+              <a:t>类</a:t>
+            </a:r>
+            <a:endParaRPr lang="zh-CN" altLang="en-US" sz="2800" b="1" dirty="0">
+              <a:solidFill>
+                <a:schemeClr val="accent4"/>
+              </a:solidFill>
+              <a:latin typeface="微软雅黑" panose="020B0503020204020204" pitchFamily="34" charset="-122"/>
+              <a:ea typeface="微软雅黑" panose="020B0503020204020204" pitchFamily="34" charset="-122"/>
+            </a:endParaRPr>
           </a:p>
         </p:txBody>
       </p:sp>
@@ -9343,7 +9498,7 @@
           <p:cNvPr id="5" name="文本框 4">
             <a:extLst>
               <a:ext uri="{FF2B5EF4-FFF2-40B4-BE49-F238E27FC236}">
-                <a16:creationId xmlns:a16="http://schemas.microsoft.com/office/drawing/2014/main" id="{A024B2E3-781B-441D-98CD-78FF1F20607E}"/>
+                <a16:creationId xmlns:a16="http://schemas.microsoft.com/office/drawing/2014/main" xmlns="" id="{A024B2E3-781B-441D-98CD-78FF1F20607E}"/>
               </a:ext>
             </a:extLst>
           </p:cNvPr>
@@ -9380,11 +9535,152 @@
                   <a:schemeClr val="accent4"/>
                 </a:solidFill>
               </a:rPr>
-              <a:t>类的实例负责在雷区布雷，即随机设置某些方块是雷。</a:t>
-            </a:r>
+              <a:t>类的实例负责在雷区布雷，即随机设置某些方块是雷</a:t>
+            </a:r>
+            <a:r>
+              <a:rPr lang="zh-CN" altLang="en-US" dirty="0" smtClean="0">
+                <a:solidFill>
+                  <a:schemeClr val="accent4"/>
+                </a:solidFill>
+              </a:rPr>
+              <a:t>。</a:t>
+            </a:r>
+            <a:endParaRPr lang="zh-CN" altLang="en-US" dirty="0">
+              <a:solidFill>
+                <a:schemeClr val="accent4"/>
+              </a:solidFill>
+            </a:endParaRPr>
           </a:p>
         </p:txBody>
       </p:sp>
+      <p:pic>
+        <p:nvPicPr>
+          <p:cNvPr id="3074" name="Picture 2"/>
+          <p:cNvPicPr>
+            <a:picLocks noChangeAspect="1" noChangeArrowheads="1"/>
+          </p:cNvPicPr>
+          <p:nvPr/>
+        </p:nvPicPr>
+        <p:blipFill>
+          <a:blip r:embed="rId5">
+            <a:extLst>
+              <a:ext uri="{28A0092B-C50C-407E-A947-70E740481C1C}">
+                <a14:useLocalDpi xmlns:a14="http://schemas.microsoft.com/office/drawing/2010/main" val="0"/>
+              </a:ext>
+            </a:extLst>
+          </a:blip>
+          <a:srcRect/>
+          <a:stretch>
+            <a:fillRect/>
+          </a:stretch>
+        </p:blipFill>
+        <p:spPr bwMode="auto">
+          <a:xfrm>
+            <a:off x="4298823" y="180020"/>
+            <a:ext cx="5734050" cy="1924050"/>
+          </a:xfrm>
+          <a:prstGeom prst="rect">
+            <a:avLst/>
+          </a:prstGeom>
+          <a:noFill/>
+          <a:ln>
+            <a:noFill/>
+          </a:ln>
+          <a:effectLst/>
+          <a:extLst>
+            <a:ext uri="{909E8E84-426E-40DD-AFC4-6F175D3DCCD1}">
+              <a14:hiddenFill xmlns:a14="http://schemas.microsoft.com/office/drawing/2010/main">
+                <a:solidFill>
+                  <a:schemeClr val="accent1"/>
+                </a:solidFill>
+              </a14:hiddenFill>
+            </a:ext>
+            <a:ext uri="{91240B29-F687-4F45-9708-019B960494DF}">
+              <a14:hiddenLine xmlns:a14="http://schemas.microsoft.com/office/drawing/2010/main" w="9525">
+                <a:solidFill>
+                  <a:schemeClr val="tx1"/>
+                </a:solidFill>
+                <a:miter lim="800000"/>
+                <a:headEnd/>
+                <a:tailEnd/>
+              </a14:hiddenLine>
+            </a:ext>
+            <a:ext uri="{AF507438-7753-43E0-B8FC-AC1667EBCBE1}">
+              <a14:hiddenEffects xmlns:a14="http://schemas.microsoft.com/office/drawing/2010/main">
+                <a:effectLst>
+                  <a:outerShdw dist="35921" dir="2700000" algn="ctr" rotWithShape="0">
+                    <a:schemeClr val="bg2"/>
+                  </a:outerShdw>
+                </a:effectLst>
+              </a14:hiddenEffects>
+            </a:ext>
+          </a:extLst>
+        </p:spPr>
+      </p:pic>
+      <p:pic>
+        <p:nvPicPr>
+          <p:cNvPr id="3075" name="Picture 3"/>
+          <p:cNvPicPr>
+            <a:picLocks noChangeAspect="1" noChangeArrowheads="1"/>
+          </p:cNvPicPr>
+          <p:nvPr/>
+        </p:nvPicPr>
+        <p:blipFill>
+          <a:blip r:embed="rId6">
+            <a:extLst>
+              <a:ext uri="{28A0092B-C50C-407E-A947-70E740481C1C}">
+                <a14:useLocalDpi xmlns:a14="http://schemas.microsoft.com/office/drawing/2010/main" val="0"/>
+              </a:ext>
+            </a:extLst>
+          </a:blip>
+          <a:srcRect/>
+          <a:stretch>
+            <a:fillRect/>
+          </a:stretch>
+        </p:blipFill>
+        <p:spPr bwMode="auto">
+          <a:xfrm>
+            <a:off x="2308245" y="4950230"/>
+            <a:ext cx="6579723" cy="1650321"/>
+          </a:xfrm>
+          <a:prstGeom prst="rect">
+            <a:avLst/>
+          </a:prstGeom>
+          <a:noFill/>
+          <a:ln>
+            <a:noFill/>
+          </a:ln>
+          <a:effectLst/>
+          <a:extLst>
+            <a:ext uri="{909E8E84-426E-40DD-AFC4-6F175D3DCCD1}">
+              <a14:hiddenFill xmlns:a14="http://schemas.microsoft.com/office/drawing/2010/main">
+                <a:solidFill>
+                  <a:schemeClr val="accent1"/>
+                </a:solidFill>
+              </a14:hiddenFill>
+            </a:ext>
+            <a:ext uri="{91240B29-F687-4F45-9708-019B960494DF}">
+              <a14:hiddenLine xmlns:a14="http://schemas.microsoft.com/office/drawing/2010/main" w="9525">
+                <a:solidFill>
+                  <a:schemeClr val="tx1"/>
+                </a:solidFill>
+                <a:miter lim="800000"/>
+                <a:headEnd/>
+                <a:tailEnd/>
+              </a14:hiddenLine>
+            </a:ext>
+            <a:ext uri="{AF507438-7753-43E0-B8FC-AC1667EBCBE1}">
+              <a14:hiddenEffects xmlns:a14="http://schemas.microsoft.com/office/drawing/2010/main">
+                <a:effectLst>
+                  <a:outerShdw dist="35921" dir="2700000" algn="ctr" rotWithShape="0">
+                    <a:schemeClr val="bg2"/>
+                  </a:outerShdw>
+                </a:effectLst>
+              </a14:hiddenEffects>
+            </a:ext>
+          </a:extLst>
+        </p:spPr>
+      </p:pic>
     </p:spTree>
     <p:custDataLst>
       <p:tags r:id="rId1"/>
@@ -9649,7 +9945,7 @@
           <p:cNvPr id="6" name="文本框 5">
             <a:extLst>
               <a:ext uri="{FF2B5EF4-FFF2-40B4-BE49-F238E27FC236}">
-                <a16:creationId xmlns:a16="http://schemas.microsoft.com/office/drawing/2014/main" id="{BBAA3E8B-770D-4962-AA8B-766B5B9723E0}"/>
+                <a16:creationId xmlns:a16="http://schemas.microsoft.com/office/drawing/2014/main" xmlns="" id="{BBAA3E8B-770D-4962-AA8B-766B5B9723E0}"/>
               </a:ext>
             </a:extLst>
           </p:cNvPr>
@@ -9693,7 +9989,7 @@
           <p:cNvPr id="7" name="文本框 6">
             <a:extLst>
               <a:ext uri="{FF2B5EF4-FFF2-40B4-BE49-F238E27FC236}">
-                <a16:creationId xmlns:a16="http://schemas.microsoft.com/office/drawing/2014/main" id="{BCF07966-C336-4651-9176-CC623D2F2276}"/>
+                <a16:creationId xmlns:a16="http://schemas.microsoft.com/office/drawing/2014/main" xmlns="" id="{BCF07966-C336-4651-9176-CC623D2F2276}"/>
               </a:ext>
             </a:extLst>
           </p:cNvPr>
@@ -9703,7 +9999,7 @@
         <p:spPr>
           <a:xfrm>
             <a:off x="2719124" y="1360860"/>
-            <a:ext cx="902811" cy="523220"/>
+            <a:ext cx="3644844" cy="523220"/>
           </a:xfrm>
           <a:prstGeom prst="rect">
             <a:avLst/>
@@ -9717,15 +10013,32 @@
           <a:lstStyle/>
           <a:p>
             <a:r>
-              <a:rPr lang="zh-CN" altLang="en-US" sz="2800" b="1" dirty="0">
+              <a:rPr lang="en-US" altLang="zh-CN" sz="2800" b="1" dirty="0" err="1" smtClean="0">
                 <a:solidFill>
                   <a:schemeClr val="accent4"/>
                 </a:solidFill>
                 <a:latin typeface="微软雅黑" panose="020B0503020204020204" pitchFamily="34" charset="-122"/>
                 <a:ea typeface="微软雅黑" panose="020B0503020204020204" pitchFamily="34" charset="-122"/>
               </a:rPr>
-              <a:t>扫雷</a:t>
-            </a:r>
+              <a:t>Peoplescoutmine</a:t>
+            </a:r>
+            <a:r>
+              <a:rPr lang="zh-CN" altLang="en-US" sz="2800" b="1" dirty="0" smtClean="0">
+                <a:solidFill>
+                  <a:schemeClr val="accent4"/>
+                </a:solidFill>
+                <a:latin typeface="微软雅黑" panose="020B0503020204020204" pitchFamily="34" charset="-122"/>
+                <a:ea typeface="微软雅黑" panose="020B0503020204020204" pitchFamily="34" charset="-122"/>
+              </a:rPr>
+              <a:t>类</a:t>
+            </a:r>
+            <a:endParaRPr lang="zh-CN" altLang="en-US" sz="2800" b="1" dirty="0">
+              <a:solidFill>
+                <a:schemeClr val="accent4"/>
+              </a:solidFill>
+              <a:latin typeface="微软雅黑" panose="020B0503020204020204" pitchFamily="34" charset="-122"/>
+              <a:ea typeface="微软雅黑" panose="020B0503020204020204" pitchFamily="34" charset="-122"/>
+            </a:endParaRPr>
           </a:p>
         </p:txBody>
       </p:sp>
@@ -9734,7 +10047,7 @@
           <p:cNvPr id="8" name="图片 7">
             <a:extLst>
               <a:ext uri="{FF2B5EF4-FFF2-40B4-BE49-F238E27FC236}">
-                <a16:creationId xmlns:a16="http://schemas.microsoft.com/office/drawing/2014/main" id="{AD6E12A1-6E7F-430B-9937-64CB6A2B42ED}"/>
+                <a16:creationId xmlns:a16="http://schemas.microsoft.com/office/drawing/2014/main" xmlns="" id="{AD6E12A1-6E7F-430B-9937-64CB6A2B42ED}"/>
               </a:ext>
             </a:extLst>
           </p:cNvPr>
@@ -9770,7 +10083,7 @@
           <p:cNvPr id="9" name="文本框 8">
             <a:extLst>
               <a:ext uri="{FF2B5EF4-FFF2-40B4-BE49-F238E27FC236}">
-                <a16:creationId xmlns:a16="http://schemas.microsoft.com/office/drawing/2014/main" id="{90C16AE2-A74C-4D1E-ABB9-5C0A740A5B6C}"/>
+                <a16:creationId xmlns:a16="http://schemas.microsoft.com/office/drawing/2014/main" xmlns="" id="{90C16AE2-A74C-4D1E-ABB9-5C0A740A5B6C}"/>
               </a:ext>
             </a:extLst>
           </p:cNvPr>
@@ -9814,7 +10127,7 @@
           <p:cNvPr id="2" name="文本框 1">
             <a:extLst>
               <a:ext uri="{FF2B5EF4-FFF2-40B4-BE49-F238E27FC236}">
-                <a16:creationId xmlns:a16="http://schemas.microsoft.com/office/drawing/2014/main" id="{4083109F-883F-4A71-84A0-C134F2B68D57}"/>
+                <a16:creationId xmlns:a16="http://schemas.microsoft.com/office/drawing/2014/main" xmlns="" id="{4083109F-883F-4A71-84A0-C134F2B68D57}"/>
               </a:ext>
             </a:extLst>
           </p:cNvPr>
@@ -9824,7 +10137,7 @@
         <p:spPr>
           <a:xfrm>
             <a:off x="2590105" y="2107344"/>
-            <a:ext cx="8353482" cy="2585323"/>
+            <a:ext cx="8353482" cy="923330"/>
           </a:xfrm>
           <a:prstGeom prst="rect">
             <a:avLst/>
@@ -9851,15 +10164,47 @@
                   <a:schemeClr val="accent4"/>
                 </a:solidFill>
               </a:rPr>
-              <a:t>类的实例负责在雷区扫雷。该实例使用方法 </a:t>
-            </a:r>
-            <a:r>
-              <a:rPr lang="en-US" altLang="zh-CN" dirty="0">
+              <a:t>类的实例负责在雷区扫雷</a:t>
+            </a:r>
+            <a:r>
+              <a:rPr lang="zh-CN" altLang="en-US" dirty="0">
                 <a:solidFill>
                   <a:schemeClr val="accent4"/>
                 </a:solidFill>
               </a:rPr>
-              <a:t>Stack</a:t>
+              <a:t>。对于中心空白区域的搜索，我们用的是</a:t>
+            </a:r>
+            <a:r>
+              <a:rPr lang="en-US" altLang="zh-CN" dirty="0" err="1" smtClean="0">
+                <a:solidFill>
+                  <a:schemeClr val="accent4"/>
+                </a:solidFill>
+              </a:rPr>
+              <a:t>d</a:t>
+            </a:r>
+            <a:r>
+              <a:rPr lang="en-US" altLang="zh-CN" dirty="0" err="1">
+                <a:solidFill>
+                  <a:schemeClr val="accent4"/>
+                </a:solidFill>
+              </a:rPr>
+              <a:t>fs</a:t>
+            </a:r>
+            <a:r>
+              <a:rPr lang="zh-CN" altLang="en-US" dirty="0" smtClean="0">
+                <a:solidFill>
+                  <a:schemeClr val="accent4"/>
+                </a:solidFill>
+              </a:rPr>
+              <a:t>，搜索出那些</a:t>
+            </a:r>
+            <a:r>
+              <a:rPr lang="zh-CN" altLang="en-US" dirty="0" smtClean="0">
+                <a:solidFill>
+                  <a:schemeClr val="accent4"/>
+                </a:solidFill>
+              </a:rPr>
+              <a:t>不是雷并且周围没有雷的</a:t>
             </a:r>
             <a:r>
               <a:rPr lang="zh-CN" altLang="en-US" dirty="0">
@@ -9867,235 +10212,252 @@
                   <a:schemeClr val="accent4"/>
                 </a:solidFill>
               </a:rPr>
-              <a:t>＜ </a:t>
-            </a:r>
-            <a:r>
-              <a:rPr lang="en-US" altLang="zh-CN" dirty="0">
+              <a:t>方块，并</a:t>
+            </a:r>
+            <a:r>
+              <a:rPr lang="zh-CN" altLang="en-US" dirty="0" smtClean="0">
                 <a:solidFill>
                   <a:schemeClr val="accent4"/>
                 </a:solidFill>
               </a:rPr>
-              <a:t>Block</a:t>
-            </a:r>
-            <a:r>
-              <a:rPr lang="zh-CN" altLang="en-US" dirty="0">
+              <a:t>将那些方块压入栈，用于之后视图的显示</a:t>
+            </a:r>
+            <a:r>
+              <a:rPr lang="zh-CN" altLang="en-US" dirty="0" smtClean="0">
                 <a:solidFill>
                   <a:schemeClr val="accent4"/>
                 </a:solidFill>
               </a:rPr>
-              <a:t>＞</a:t>
-            </a:r>
-            <a:r>
-              <a:rPr lang="en-US" altLang="zh-CN" dirty="0" err="1">
-                <a:solidFill>
-                  <a:schemeClr val="accent4"/>
-                </a:solidFill>
-              </a:rPr>
-              <a:t>getnominearoundblock</a:t>
-            </a:r>
-            <a:r>
-              <a:rPr lang="en-US" altLang="zh-CN" dirty="0">
-                <a:solidFill>
-                  <a:schemeClr val="accent4"/>
-                </a:solidFill>
-              </a:rPr>
-              <a:t>( Block bk)</a:t>
-            </a:r>
-            <a:r>
-              <a:rPr lang="zh-CN" altLang="en-US" dirty="0">
-                <a:solidFill>
-                  <a:schemeClr val="accent4"/>
-                </a:solidFill>
-              </a:rPr>
-              <a:t>寻找不是雷的方块，并将找到的方块压入堆栈，然后返回该堆栈。如果参数</a:t>
-            </a:r>
-            <a:r>
-              <a:rPr lang="en-US" altLang="zh-CN" dirty="0">
-                <a:solidFill>
-                  <a:schemeClr val="accent4"/>
-                </a:solidFill>
-              </a:rPr>
-              <a:t>bk</a:t>
-            </a:r>
-            <a:r>
-              <a:rPr lang="zh-CN" altLang="en-US" dirty="0">
-                <a:solidFill>
-                  <a:schemeClr val="accent4"/>
-                </a:solidFill>
-              </a:rPr>
-              <a:t>不是雷，但</a:t>
-            </a:r>
-            <a:r>
-              <a:rPr lang="en-US" altLang="zh-CN" dirty="0">
-                <a:solidFill>
-                  <a:schemeClr val="accent4"/>
-                </a:solidFill>
-              </a:rPr>
-              <a:t>bk</a:t>
-            </a:r>
-            <a:r>
-              <a:rPr lang="zh-CN" altLang="en-US" dirty="0">
-                <a:solidFill>
-                  <a:schemeClr val="accent4"/>
-                </a:solidFill>
-              </a:rPr>
-              <a:t>相邻的方块中有方块是雷，那么找到的不是雷的方块就是</a:t>
-            </a:r>
-            <a:r>
-              <a:rPr lang="en-US" altLang="zh-CN" dirty="0">
-                <a:solidFill>
-                  <a:schemeClr val="accent4"/>
-                </a:solidFill>
-              </a:rPr>
-              <a:t>bk</a:t>
-            </a:r>
-            <a:r>
-              <a:rPr lang="zh-CN" altLang="en-US" dirty="0">
-                <a:solidFill>
-                  <a:schemeClr val="accent4"/>
-                </a:solidFill>
-              </a:rPr>
-              <a:t>。如果</a:t>
-            </a:r>
-            <a:r>
-              <a:rPr lang="en-US" altLang="zh-CN" dirty="0">
-                <a:solidFill>
-                  <a:schemeClr val="accent4"/>
-                </a:solidFill>
-              </a:rPr>
-              <a:t>bk</a:t>
-            </a:r>
-            <a:r>
-              <a:rPr lang="zh-CN" altLang="en-US" dirty="0">
-                <a:solidFill>
-                  <a:schemeClr val="accent4"/>
-                </a:solidFill>
-              </a:rPr>
-              <a:t>不是雷，但</a:t>
-            </a:r>
-            <a:r>
-              <a:rPr lang="en-US" altLang="zh-CN" dirty="0">
-                <a:solidFill>
-                  <a:schemeClr val="accent4"/>
-                </a:solidFill>
-              </a:rPr>
-              <a:t>bk</a:t>
-            </a:r>
-            <a:r>
-              <a:rPr lang="zh-CN" altLang="en-US" dirty="0">
-                <a:solidFill>
-                  <a:schemeClr val="accent4"/>
-                </a:solidFill>
-              </a:rPr>
-              <a:t>相邻的方块中没有任何一个方块是雷，那么就把相邻的方块作为</a:t>
-            </a:r>
-            <a:r>
-              <a:rPr lang="en-US" altLang="zh-CN" dirty="0" err="1">
-                <a:solidFill>
-                  <a:schemeClr val="accent4"/>
-                </a:solidFill>
-              </a:rPr>
-              <a:t>getnominearoundblock</a:t>
-            </a:r>
-            <a:r>
-              <a:rPr lang="en-US" altLang="zh-CN" dirty="0">
-                <a:solidFill>
-                  <a:schemeClr val="accent4"/>
-                </a:solidFill>
-              </a:rPr>
-              <a:t>(Block bk)</a:t>
-            </a:r>
-            <a:r>
-              <a:rPr lang="zh-CN" altLang="en-US" dirty="0">
-                <a:solidFill>
-                  <a:schemeClr val="accent4"/>
-                </a:solidFill>
-              </a:rPr>
-              <a:t>方法的参数继续调用该方法，即 </a:t>
-            </a:r>
-            <a:r>
-              <a:rPr lang="en-US" altLang="zh-CN" dirty="0" err="1">
-                <a:solidFill>
-                  <a:schemeClr val="accent4"/>
-                </a:solidFill>
-              </a:rPr>
-              <a:t>Peoplescoutmine</a:t>
-            </a:r>
-            <a:r>
-              <a:rPr lang="zh-CN" altLang="en-US" dirty="0">
-                <a:solidFill>
-                  <a:schemeClr val="accent4"/>
-                </a:solidFill>
-              </a:rPr>
-              <a:t>类的实例用递归方法寻找一个方块周围区域内不是雷的方块，并将这些方块压入堆栈，返回该堆栈。该实例使用方法 </a:t>
-            </a:r>
-            <a:r>
-              <a:rPr lang="en-US" altLang="zh-CN" dirty="0">
-                <a:solidFill>
-                  <a:schemeClr val="accent4"/>
-                </a:solidFill>
-              </a:rPr>
-              <a:t>public </a:t>
-            </a:r>
-            <a:r>
-              <a:rPr lang="en-US" altLang="zh-CN" dirty="0" err="1">
-                <a:solidFill>
-                  <a:schemeClr val="accent4"/>
-                </a:solidFill>
-              </a:rPr>
-              <a:t>boolean</a:t>
-            </a:r>
-            <a:r>
-              <a:rPr lang="en-US" altLang="zh-CN" dirty="0">
-                <a:solidFill>
-                  <a:schemeClr val="accent4"/>
-                </a:solidFill>
-              </a:rPr>
-              <a:t> verify Wino</a:t>
-            </a:r>
-            <a:r>
-              <a:rPr lang="zh-CN" altLang="en-US" dirty="0">
-                <a:solidFill>
-                  <a:schemeClr val="accent4"/>
-                </a:solidFill>
-              </a:rPr>
-              <a:t>判断用户是否扫雷成功。如果剩余的、没有揭开的方块数目刚好等于雷区的总雷数，该方法返回</a:t>
-            </a:r>
-            <a:r>
-              <a:rPr lang="en-US" altLang="zh-CN" dirty="0">
-                <a:solidFill>
-                  <a:schemeClr val="accent4"/>
-                </a:solidFill>
-              </a:rPr>
-              <a:t>true</a:t>
-            </a:r>
-            <a:r>
-              <a:rPr lang="zh-CN" altLang="en-US" dirty="0">
-                <a:solidFill>
-                  <a:schemeClr val="accent4"/>
-                </a:solidFill>
-              </a:rPr>
-              <a:t>，否则返回 </a:t>
-            </a:r>
-            <a:r>
-              <a:rPr lang="en-US" altLang="zh-CN" dirty="0">
-                <a:solidFill>
-                  <a:schemeClr val="accent4"/>
-                </a:solidFill>
-              </a:rPr>
-              <a:t>false</a:t>
-            </a:r>
-            <a:r>
-              <a:rPr lang="zh-CN" altLang="en-US" dirty="0">
-                <a:solidFill>
-                  <a:schemeClr val="accent4"/>
-                </a:solidFill>
-              </a:rPr>
-              <a:t>。</a:t>
-            </a:r>
+              <a:t>。该实例还会判断输赢，当剩余方块数等于雷数时游戏胜利。</a:t>
+            </a:r>
+            <a:endParaRPr lang="zh-CN" altLang="en-US" dirty="0">
+              <a:solidFill>
+                <a:schemeClr val="accent4"/>
+              </a:solidFill>
+            </a:endParaRPr>
           </a:p>
         </p:txBody>
       </p:sp>
+      <p:sp>
+        <p:nvSpPr>
+          <p:cNvPr id="3" name="AutoShape 2" descr="C:\Users\ASUS\Documents\Tencent Files\1607109973\Image\C2C\6R44K(@_HQ6KKRT[@XT2.png"/>
+          <p:cNvSpPr>
+            <a:spLocks noChangeAspect="1" noChangeArrowheads="1"/>
+          </p:cNvSpPr>
+          <p:nvPr/>
+        </p:nvSpPr>
+        <p:spPr bwMode="auto">
+          <a:xfrm>
+            <a:off x="155575" y="-144463"/>
+            <a:ext cx="304800" cy="304801"/>
+          </a:xfrm>
+          <a:prstGeom prst="rect">
+            <a:avLst/>
+          </a:prstGeom>
+          <a:noFill/>
+          <a:extLst>
+            <a:ext uri="{909E8E84-426E-40DD-AFC4-6F175D3DCCD1}">
+              <a14:hiddenFill xmlns:a14="http://schemas.microsoft.com/office/drawing/2010/main">
+                <a:solidFill>
+                  <a:srgbClr val="FFFFFF"/>
+                </a:solidFill>
+              </a14:hiddenFill>
+            </a:ext>
+          </a:extLst>
+        </p:spPr>
+        <p:txBody>
+          <a:bodyPr vert="horz" wrap="square" lIns="91440" tIns="45720" rIns="91440" bIns="45720" numCol="1" anchor="t" anchorCtr="0" compatLnSpc="1">
+            <a:prstTxWarp prst="textNoShape">
+              <a:avLst/>
+            </a:prstTxWarp>
+          </a:bodyPr>
+          <a:lstStyle/>
+          <a:p>
+            <a:endParaRPr lang="zh-CN" altLang="en-US"/>
+          </a:p>
+        </p:txBody>
+      </p:sp>
+      <p:sp>
+        <p:nvSpPr>
+          <p:cNvPr id="4" name="AutoShape 4" descr="C:\Users\ASUS\Documents\Tencent Files\1607109973\Image\C2C\6R44K(@_HQ6KKRT[@XT2.png"/>
+          <p:cNvSpPr>
+            <a:spLocks noChangeAspect="1" noChangeArrowheads="1"/>
+          </p:cNvSpPr>
+          <p:nvPr/>
+        </p:nvSpPr>
+        <p:spPr bwMode="auto">
+          <a:xfrm>
+            <a:off x="307975" y="7937"/>
+            <a:ext cx="304800" cy="304801"/>
+          </a:xfrm>
+          <a:prstGeom prst="rect">
+            <a:avLst/>
+          </a:prstGeom>
+          <a:noFill/>
+          <a:extLst>
+            <a:ext uri="{909E8E84-426E-40DD-AFC4-6F175D3DCCD1}">
+              <a14:hiddenFill xmlns:a14="http://schemas.microsoft.com/office/drawing/2010/main">
+                <a:solidFill>
+                  <a:srgbClr val="FFFFFF"/>
+                </a:solidFill>
+              </a14:hiddenFill>
+            </a:ext>
+          </a:extLst>
+        </p:spPr>
+        <p:txBody>
+          <a:bodyPr vert="horz" wrap="square" lIns="91440" tIns="45720" rIns="91440" bIns="45720" numCol="1" anchor="t" anchorCtr="0" compatLnSpc="1">
+            <a:prstTxWarp prst="textNoShape">
+              <a:avLst/>
+            </a:prstTxWarp>
+          </a:bodyPr>
+          <a:lstStyle/>
+          <a:p>
+            <a:endParaRPr lang="zh-CN" altLang="en-US"/>
+          </a:p>
+        </p:txBody>
+      </p:sp>
+      <p:sp>
+        <p:nvSpPr>
+          <p:cNvPr id="5" name="AutoShape 6" descr="C:\Users\ASUS\Documents\Tencent Files\1607109973\Image\C2C\6R44K(@_HQ6KKRT[@XT2.png"/>
+          <p:cNvSpPr>
+            <a:spLocks noChangeAspect="1" noChangeArrowheads="1"/>
+          </p:cNvSpPr>
+          <p:nvPr/>
+        </p:nvSpPr>
+        <p:spPr bwMode="auto">
+          <a:xfrm>
+            <a:off x="460375" y="160337"/>
+            <a:ext cx="304800" cy="304801"/>
+          </a:xfrm>
+          <a:prstGeom prst="rect">
+            <a:avLst/>
+          </a:prstGeom>
+          <a:noFill/>
+          <a:extLst>
+            <a:ext uri="{909E8E84-426E-40DD-AFC4-6F175D3DCCD1}">
+              <a14:hiddenFill xmlns:a14="http://schemas.microsoft.com/office/drawing/2010/main">
+                <a:solidFill>
+                  <a:srgbClr val="FFFFFF"/>
+                </a:solidFill>
+              </a14:hiddenFill>
+            </a:ext>
+          </a:extLst>
+        </p:spPr>
+        <p:txBody>
+          <a:bodyPr vert="horz" wrap="square" lIns="91440" tIns="45720" rIns="91440" bIns="45720" numCol="1" anchor="t" anchorCtr="0" compatLnSpc="1">
+            <a:prstTxWarp prst="textNoShape">
+              <a:avLst/>
+            </a:prstTxWarp>
+          </a:bodyPr>
+          <a:lstStyle/>
+          <a:p>
+            <a:endParaRPr lang="zh-CN" altLang="en-US"/>
+          </a:p>
+        </p:txBody>
+      </p:sp>
+      <p:sp>
+        <p:nvSpPr>
+          <p:cNvPr id="10" name="AutoShape 8" descr="C:\Users\ASUS\Documents\Tencent Files\1607109973\Image\C2C\6R44K(@_HQ6KKRT[@XT2.png"/>
+          <p:cNvSpPr>
+            <a:spLocks noChangeAspect="1" noChangeArrowheads="1"/>
+          </p:cNvSpPr>
+          <p:nvPr/>
+        </p:nvSpPr>
+        <p:spPr bwMode="auto">
+          <a:xfrm>
+            <a:off x="612775" y="312737"/>
+            <a:ext cx="304800" cy="304801"/>
+          </a:xfrm>
+          <a:prstGeom prst="rect">
+            <a:avLst/>
+          </a:prstGeom>
+          <a:noFill/>
+          <a:extLst>
+            <a:ext uri="{909E8E84-426E-40DD-AFC4-6F175D3DCCD1}">
+              <a14:hiddenFill xmlns:a14="http://schemas.microsoft.com/office/drawing/2010/main">
+                <a:solidFill>
+                  <a:srgbClr val="FFFFFF"/>
+                </a:solidFill>
+              </a14:hiddenFill>
+            </a:ext>
+          </a:extLst>
+        </p:spPr>
+        <p:txBody>
+          <a:bodyPr vert="horz" wrap="square" lIns="91440" tIns="45720" rIns="91440" bIns="45720" numCol="1" anchor="t" anchorCtr="0" compatLnSpc="1">
+            <a:prstTxWarp prst="textNoShape">
+              <a:avLst/>
+            </a:prstTxWarp>
+          </a:bodyPr>
+          <a:lstStyle/>
+          <a:p>
+            <a:endParaRPr lang="zh-CN" altLang="en-US"/>
+          </a:p>
+        </p:txBody>
+      </p:sp>
+      <p:pic>
+        <p:nvPicPr>
+          <p:cNvPr id="1033" name="Picture 9"/>
+          <p:cNvPicPr>
+            <a:picLocks noChangeAspect="1" noChangeArrowheads="1"/>
+          </p:cNvPicPr>
+          <p:nvPr/>
+        </p:nvPicPr>
+        <p:blipFill>
+          <a:blip r:embed="rId5">
+            <a:extLst>
+              <a:ext uri="{28A0092B-C50C-407E-A947-70E740481C1C}">
+                <a14:useLocalDpi xmlns:a14="http://schemas.microsoft.com/office/drawing/2010/main" val="0"/>
+              </a:ext>
+            </a:extLst>
+          </a:blip>
+          <a:srcRect/>
+          <a:stretch>
+            <a:fillRect/>
+          </a:stretch>
+        </p:blipFill>
+        <p:spPr bwMode="auto">
+          <a:xfrm>
+            <a:off x="2487683" y="3030674"/>
+            <a:ext cx="7680445" cy="3617183"/>
+          </a:xfrm>
+          <a:prstGeom prst="rect">
+            <a:avLst/>
+          </a:prstGeom>
+          <a:noFill/>
+          <a:ln>
+            <a:noFill/>
+          </a:ln>
+          <a:effectLst/>
+          <a:extLst>
+            <a:ext uri="{909E8E84-426E-40DD-AFC4-6F175D3DCCD1}">
+              <a14:hiddenFill xmlns:a14="http://schemas.microsoft.com/office/drawing/2010/main">
+                <a:solidFill>
+                  <a:schemeClr val="accent1"/>
+                </a:solidFill>
+              </a14:hiddenFill>
+            </a:ext>
+            <a:ext uri="{91240B29-F687-4F45-9708-019B960494DF}">
+              <a14:hiddenLine xmlns:a14="http://schemas.microsoft.com/office/drawing/2010/main" w="9525">
+                <a:solidFill>
+                  <a:schemeClr val="tx1"/>
+                </a:solidFill>
+                <a:miter lim="800000"/>
+                <a:headEnd/>
+                <a:tailEnd/>
+              </a14:hiddenLine>
+            </a:ext>
+            <a:ext uri="{AF507438-7753-43E0-B8FC-AC1667EBCBE1}">
+              <a14:hiddenEffects xmlns:a14="http://schemas.microsoft.com/office/drawing/2010/main">
+                <a:effectLst>
+                  <a:outerShdw dist="35921" dir="2700000" algn="ctr" rotWithShape="0">
+                    <a:schemeClr val="bg2"/>
+                  </a:outerShdw>
+                </a:effectLst>
+              </a14:hiddenEffects>
+            </a:ext>
+          </a:extLst>
+        </p:spPr>
+      </p:pic>
     </p:spTree>
     <p:custDataLst>
       <p:tags r:id="rId1"/>
@@ -10360,7 +10722,7 @@
           <p:cNvPr id="9" name="文本框 8">
             <a:extLst>
               <a:ext uri="{FF2B5EF4-FFF2-40B4-BE49-F238E27FC236}">
-                <a16:creationId xmlns:a16="http://schemas.microsoft.com/office/drawing/2014/main" id="{C594748C-E56C-4DE1-8FE5-7044A40569C8}"/>
+                <a16:creationId xmlns:a16="http://schemas.microsoft.com/office/drawing/2014/main" xmlns="" id="{C594748C-E56C-4DE1-8FE5-7044A40569C8}"/>
               </a:ext>
             </a:extLst>
           </p:cNvPr>
@@ -10370,7 +10732,7 @@
         <p:spPr>
           <a:xfrm>
             <a:off x="2308245" y="1455098"/>
-            <a:ext cx="1625317" cy="523220"/>
+            <a:ext cx="3294492" cy="523220"/>
           </a:xfrm>
           <a:prstGeom prst="rect">
             <a:avLst/>
@@ -10384,15 +10746,32 @@
           <a:lstStyle/>
           <a:p>
             <a:r>
-              <a:rPr lang="zh-CN" altLang="en-US" sz="2800" b="1" dirty="0">
+              <a:rPr lang="en-US" altLang="zh-CN" sz="2800" b="1" dirty="0" err="1" smtClean="0">
                 <a:solidFill>
                   <a:schemeClr val="accent4"/>
                 </a:solidFill>
                 <a:latin typeface="微软雅黑" panose="020B0503020204020204" pitchFamily="34" charset="-122"/>
                 <a:ea typeface="微软雅黑" panose="020B0503020204020204" pitchFamily="34" charset="-122"/>
               </a:rPr>
-              <a:t>视图接口</a:t>
-            </a:r>
+              <a:t>Viewforblock</a:t>
+            </a:r>
+            <a:r>
+              <a:rPr lang="zh-CN" altLang="en-US" sz="2800" b="1" dirty="0" smtClean="0">
+                <a:solidFill>
+                  <a:schemeClr val="accent4"/>
+                </a:solidFill>
+                <a:latin typeface="微软雅黑" panose="020B0503020204020204" pitchFamily="34" charset="-122"/>
+                <a:ea typeface="微软雅黑" panose="020B0503020204020204" pitchFamily="34" charset="-122"/>
+              </a:rPr>
+              <a:t>接口</a:t>
+            </a:r>
+            <a:endParaRPr lang="zh-CN" altLang="en-US" sz="2800" b="1" dirty="0">
+              <a:solidFill>
+                <a:schemeClr val="accent4"/>
+              </a:solidFill>
+              <a:latin typeface="微软雅黑" panose="020B0503020204020204" pitchFamily="34" charset="-122"/>
+              <a:ea typeface="微软雅黑" panose="020B0503020204020204" pitchFamily="34" charset="-122"/>
+            </a:endParaRPr>
           </a:p>
         </p:txBody>
       </p:sp>
@@ -10401,7 +10780,7 @@
           <p:cNvPr id="10" name="图片 9">
             <a:extLst>
               <a:ext uri="{FF2B5EF4-FFF2-40B4-BE49-F238E27FC236}">
-                <a16:creationId xmlns:a16="http://schemas.microsoft.com/office/drawing/2014/main" id="{1E6A482D-648E-4227-A0C1-EE1C8213F17E}"/>
+                <a16:creationId xmlns:a16="http://schemas.microsoft.com/office/drawing/2014/main" xmlns="" id="{1E6A482D-648E-4227-A0C1-EE1C8213F17E}"/>
               </a:ext>
             </a:extLst>
           </p:cNvPr>
@@ -10437,7 +10816,7 @@
           <p:cNvPr id="2" name="矩形 1">
             <a:extLst>
               <a:ext uri="{FF2B5EF4-FFF2-40B4-BE49-F238E27FC236}">
-                <a16:creationId xmlns:a16="http://schemas.microsoft.com/office/drawing/2014/main" id="{F230BA95-A94E-4B94-9600-CB52C36D3C10}"/>
+                <a16:creationId xmlns:a16="http://schemas.microsoft.com/office/drawing/2014/main" xmlns="" id="{F230BA95-A94E-4B94-9600-CB52C36D3C10}"/>
               </a:ext>
             </a:extLst>
           </p:cNvPr>
@@ -10480,7 +10859,7 @@
           <p:cNvPr id="4" name="文本框 3">
             <a:extLst>
               <a:ext uri="{FF2B5EF4-FFF2-40B4-BE49-F238E27FC236}">
-                <a16:creationId xmlns:a16="http://schemas.microsoft.com/office/drawing/2014/main" id="{1DEE4854-D93E-4597-B3F9-21788F6B34BB}"/>
+                <a16:creationId xmlns:a16="http://schemas.microsoft.com/office/drawing/2014/main" xmlns="" id="{1DEE4854-D93E-4597-B3F9-21788F6B34BB}"/>
               </a:ext>
             </a:extLst>
           </p:cNvPr>
@@ -10631,7 +11010,7 @@
           <p:cNvPr id="14" name="文本框 13">
             <a:extLst>
               <a:ext uri="{FF2B5EF4-FFF2-40B4-BE49-F238E27FC236}">
-                <a16:creationId xmlns:a16="http://schemas.microsoft.com/office/drawing/2014/main" id="{70DA88EF-6BEF-41AB-AC04-B8ADB57C602C}"/>
+                <a16:creationId xmlns:a16="http://schemas.microsoft.com/office/drawing/2014/main" xmlns="" id="{70DA88EF-6BEF-41AB-AC04-B8ADB57C602C}"/>
               </a:ext>
             </a:extLst>
           </p:cNvPr>
@@ -10641,7 +11020,7 @@
         <p:spPr>
           <a:xfrm>
             <a:off x="2340100" y="3625370"/>
-            <a:ext cx="1261884" cy="523220"/>
+            <a:ext cx="4409605" cy="523220"/>
           </a:xfrm>
           <a:prstGeom prst="rect">
             <a:avLst/>
@@ -10655,15 +11034,32 @@
           <a:lstStyle/>
           <a:p>
             <a:r>
-              <a:rPr lang="zh-CN" altLang="en-US" sz="2800" b="1" dirty="0">
+              <a:rPr lang="en-US" altLang="zh-CN" sz="2800" b="1" dirty="0" err="1" smtClean="0">
                 <a:solidFill>
                   <a:schemeClr val="accent4"/>
                 </a:solidFill>
                 <a:latin typeface="微软雅黑" panose="020B0503020204020204" pitchFamily="34" charset="-122"/>
                 <a:ea typeface="微软雅黑" panose="020B0503020204020204" pitchFamily="34" charset="-122"/>
               </a:rPr>
-              <a:t>英雄榜</a:t>
-            </a:r>
+              <a:t>RecordOrShowrecord</a:t>
+            </a:r>
+            <a:r>
+              <a:rPr lang="zh-CN" altLang="en-US" sz="2800" b="1" dirty="0" smtClean="0">
+                <a:solidFill>
+                  <a:schemeClr val="accent4"/>
+                </a:solidFill>
+                <a:latin typeface="微软雅黑" panose="020B0503020204020204" pitchFamily="34" charset="-122"/>
+                <a:ea typeface="微软雅黑" panose="020B0503020204020204" pitchFamily="34" charset="-122"/>
+              </a:rPr>
+              <a:t>榜</a:t>
+            </a:r>
+            <a:endParaRPr lang="zh-CN" altLang="en-US" sz="2800" b="1" dirty="0">
+              <a:solidFill>
+                <a:schemeClr val="accent4"/>
+              </a:solidFill>
+              <a:latin typeface="微软雅黑" panose="020B0503020204020204" pitchFamily="34" charset="-122"/>
+              <a:ea typeface="微软雅黑" panose="020B0503020204020204" pitchFamily="34" charset="-122"/>
+            </a:endParaRPr>
           </a:p>
         </p:txBody>
       </p:sp>
@@ -10672,7 +11068,7 @@
           <p:cNvPr id="16" name="图片 15">
             <a:extLst>
               <a:ext uri="{FF2B5EF4-FFF2-40B4-BE49-F238E27FC236}">
-                <a16:creationId xmlns:a16="http://schemas.microsoft.com/office/drawing/2014/main" id="{3DD33D1A-C6C9-4371-96A2-712F0F6235C2}"/>
+                <a16:creationId xmlns:a16="http://schemas.microsoft.com/office/drawing/2014/main" xmlns="" id="{3DD33D1A-C6C9-4371-96A2-712F0F6235C2}"/>
               </a:ext>
             </a:extLst>
           </p:cNvPr>
@@ -10708,7 +11104,7 @@
           <p:cNvPr id="17" name="矩形 16">
             <a:extLst>
               <a:ext uri="{FF2B5EF4-FFF2-40B4-BE49-F238E27FC236}">
-                <a16:creationId xmlns:a16="http://schemas.microsoft.com/office/drawing/2014/main" id="{5305EC5F-94E3-48F0-AB50-A71230CEB056}"/>
+                <a16:creationId xmlns:a16="http://schemas.microsoft.com/office/drawing/2014/main" xmlns="" id="{5305EC5F-94E3-48F0-AB50-A71230CEB056}"/>
               </a:ext>
             </a:extLst>
           </p:cNvPr>
@@ -10751,7 +11147,7 @@
           <p:cNvPr id="5" name="文本框 4">
             <a:extLst>
               <a:ext uri="{FF2B5EF4-FFF2-40B4-BE49-F238E27FC236}">
-                <a16:creationId xmlns:a16="http://schemas.microsoft.com/office/drawing/2014/main" id="{CDEA60FC-5F17-4673-9D96-F42923745C54}"/>
+                <a16:creationId xmlns:a16="http://schemas.microsoft.com/office/drawing/2014/main" xmlns="" id="{CDEA60FC-5F17-4673-9D96-F42923745C54}"/>
               </a:ext>
             </a:extLst>
           </p:cNvPr>
@@ -11055,20 +11451,12 @@
               <a:t>。 </a:t>
             </a:r>
             <a:r>
-              <a:rPr lang="en-US" altLang="zh-CN" dirty="0" err="1">
+              <a:rPr lang="en-US" altLang="zh-CN" dirty="0" err="1" smtClean="0">
                 <a:solidFill>
                   <a:schemeClr val="accent4"/>
                 </a:solidFill>
               </a:rPr>
-              <a:t>Recordorshow</a:t>
-            </a:r>
-            <a:r>
-              <a:rPr lang="en-US" altLang="zh-CN" dirty="0">
-                <a:solidFill>
-                  <a:schemeClr val="accent4"/>
-                </a:solidFill>
-              </a:rPr>
-              <a:t> Record</a:t>
+              <a:t>RecordOrShowRecord</a:t>
             </a:r>
             <a:r>
               <a:rPr lang="zh-CN" altLang="en-US" dirty="0">
@@ -11081,6 +11469,134 @@
           </a:p>
         </p:txBody>
       </p:sp>
+      <p:pic>
+        <p:nvPicPr>
+          <p:cNvPr id="2050" name="Picture 2"/>
+          <p:cNvPicPr>
+            <a:picLocks noChangeAspect="1" noChangeArrowheads="1"/>
+          </p:cNvPicPr>
+          <p:nvPr/>
+        </p:nvPicPr>
+        <p:blipFill>
+          <a:blip r:embed="rId5">
+            <a:extLst>
+              <a:ext uri="{28A0092B-C50C-407E-A947-70E740481C1C}">
+                <a14:useLocalDpi xmlns:a14="http://schemas.microsoft.com/office/drawing/2010/main" val="0"/>
+              </a:ext>
+            </a:extLst>
+          </a:blip>
+          <a:srcRect/>
+          <a:stretch>
+            <a:fillRect/>
+          </a:stretch>
+        </p:blipFill>
+        <p:spPr bwMode="auto">
+          <a:xfrm>
+            <a:off x="5602737" y="358774"/>
+            <a:ext cx="5571231" cy="1715445"/>
+          </a:xfrm>
+          <a:prstGeom prst="rect">
+            <a:avLst/>
+          </a:prstGeom>
+          <a:noFill/>
+          <a:ln>
+            <a:noFill/>
+          </a:ln>
+          <a:effectLst/>
+          <a:extLst>
+            <a:ext uri="{909E8E84-426E-40DD-AFC4-6F175D3DCCD1}">
+              <a14:hiddenFill xmlns:a14="http://schemas.microsoft.com/office/drawing/2010/main">
+                <a:solidFill>
+                  <a:schemeClr val="accent1"/>
+                </a:solidFill>
+              </a14:hiddenFill>
+            </a:ext>
+            <a:ext uri="{91240B29-F687-4F45-9708-019B960494DF}">
+              <a14:hiddenLine xmlns:a14="http://schemas.microsoft.com/office/drawing/2010/main" w="9525">
+                <a:solidFill>
+                  <a:schemeClr val="tx1"/>
+                </a:solidFill>
+                <a:miter lim="800000"/>
+                <a:headEnd/>
+                <a:tailEnd/>
+              </a14:hiddenLine>
+            </a:ext>
+            <a:ext uri="{AF507438-7753-43E0-B8FC-AC1667EBCBE1}">
+              <a14:hiddenEffects xmlns:a14="http://schemas.microsoft.com/office/drawing/2010/main">
+                <a:effectLst>
+                  <a:outerShdw dist="35921" dir="2700000" algn="ctr" rotWithShape="0">
+                    <a:schemeClr val="bg2"/>
+                  </a:outerShdw>
+                </a:effectLst>
+              </a14:hiddenEffects>
+            </a:ext>
+          </a:extLst>
+        </p:spPr>
+      </p:pic>
+      <p:pic>
+        <p:nvPicPr>
+          <p:cNvPr id="2052" name="Picture 4"/>
+          <p:cNvPicPr>
+            <a:picLocks noChangeAspect="1" noChangeArrowheads="1"/>
+          </p:cNvPicPr>
+          <p:nvPr/>
+        </p:nvPicPr>
+        <p:blipFill>
+          <a:blip r:embed="rId6">
+            <a:extLst>
+              <a:ext uri="{28A0092B-C50C-407E-A947-70E740481C1C}">
+                <a14:useLocalDpi xmlns:a14="http://schemas.microsoft.com/office/drawing/2010/main" val="0"/>
+              </a:ext>
+            </a:extLst>
+          </a:blip>
+          <a:srcRect/>
+          <a:stretch>
+            <a:fillRect/>
+          </a:stretch>
+        </p:blipFill>
+        <p:spPr bwMode="auto">
+          <a:xfrm>
+            <a:off x="7020687" y="3125228"/>
+            <a:ext cx="4052697" cy="1088684"/>
+          </a:xfrm>
+          <a:prstGeom prst="rect">
+            <a:avLst/>
+          </a:prstGeom>
+          <a:noFill/>
+          <a:ln>
+            <a:noFill/>
+          </a:ln>
+          <a:effectLst/>
+          <a:extLst>
+            <a:ext uri="{909E8E84-426E-40DD-AFC4-6F175D3DCCD1}">
+              <a14:hiddenFill xmlns:a14="http://schemas.microsoft.com/office/drawing/2010/main">
+                <a:solidFill>
+                  <a:schemeClr val="accent1"/>
+                </a:solidFill>
+              </a14:hiddenFill>
+            </a:ext>
+            <a:ext uri="{91240B29-F687-4F45-9708-019B960494DF}">
+              <a14:hiddenLine xmlns:a14="http://schemas.microsoft.com/office/drawing/2010/main" w="9525">
+                <a:solidFill>
+                  <a:schemeClr val="tx1"/>
+                </a:solidFill>
+                <a:miter lim="800000"/>
+                <a:headEnd/>
+                <a:tailEnd/>
+              </a14:hiddenLine>
+            </a:ext>
+            <a:ext uri="{AF507438-7753-43E0-B8FC-AC1667EBCBE1}">
+              <a14:hiddenEffects xmlns:a14="http://schemas.microsoft.com/office/drawing/2010/main">
+                <a:effectLst>
+                  <a:outerShdw dist="35921" dir="2700000" algn="ctr" rotWithShape="0">
+                    <a:schemeClr val="bg2"/>
+                  </a:outerShdw>
+                </a:effectLst>
+              </a14:hiddenEffects>
+            </a:ext>
+          </a:extLst>
+        </p:spPr>
+      </p:pic>
     </p:spTree>
     <p:custDataLst>
       <p:tags r:id="rId1"/>
@@ -12327,7 +12843,7 @@
           <p:cNvPr id="12" name="组合 11">
             <a:extLst>
               <a:ext uri="{FF2B5EF4-FFF2-40B4-BE49-F238E27FC236}">
-                <a16:creationId xmlns:a16="http://schemas.microsoft.com/office/drawing/2014/main" id="{21131323-24D3-4EAD-9582-6E259A0621CC}"/>
+                <a16:creationId xmlns:a16="http://schemas.microsoft.com/office/drawing/2014/main" xmlns="" id="{21131323-24D3-4EAD-9582-6E259A0621CC}"/>
               </a:ext>
             </a:extLst>
           </p:cNvPr>
@@ -12347,7 +12863,7 @@
             <p:cNvPr id="13" name="圆角矩形 36">
               <a:extLst>
                 <a:ext uri="{FF2B5EF4-FFF2-40B4-BE49-F238E27FC236}">
-                  <a16:creationId xmlns:a16="http://schemas.microsoft.com/office/drawing/2014/main" id="{76CEDCD3-D29C-458C-978A-4E0316B6A7F9}"/>
+                  <a16:creationId xmlns:a16="http://schemas.microsoft.com/office/drawing/2014/main" xmlns="" id="{76CEDCD3-D29C-458C-978A-4E0316B6A7F9}"/>
                 </a:ext>
               </a:extLst>
             </p:cNvPr>
@@ -12401,7 +12917,7 @@
             <p:cNvPr id="14" name="矩形 13">
               <a:extLst>
                 <a:ext uri="{FF2B5EF4-FFF2-40B4-BE49-F238E27FC236}">
-                  <a16:creationId xmlns:a16="http://schemas.microsoft.com/office/drawing/2014/main" id="{6D029018-E090-4ECC-BDD7-0C92329A3A4C}"/>
+                  <a16:creationId xmlns:a16="http://schemas.microsoft.com/office/drawing/2014/main" xmlns="" id="{6D029018-E090-4ECC-BDD7-0C92329A3A4C}"/>
                 </a:ext>
               </a:extLst>
             </p:cNvPr>
@@ -12440,7 +12956,7 @@
           <p:cNvPr id="5" name="图片 4">
             <a:extLst>
               <a:ext uri="{FF2B5EF4-FFF2-40B4-BE49-F238E27FC236}">
-                <a16:creationId xmlns:a16="http://schemas.microsoft.com/office/drawing/2014/main" id="{829B4E22-EE90-4D23-B5CD-A00697D4F12D}"/>
+                <a16:creationId xmlns:a16="http://schemas.microsoft.com/office/drawing/2014/main" xmlns="" id="{829B4E22-EE90-4D23-B5CD-A00697D4F12D}"/>
               </a:ext>
             </a:extLst>
           </p:cNvPr>
@@ -12841,6 +13357,13 @@
       </p:transition>
     </mc:Fallback>
   </mc:AlternateContent>
+  <p:timing>
+    <p:tnLst>
+      <p:par>
+        <p:cTn id="1" dur="indefinite" restart="never" nodeType="tmRoot"/>
+      </p:par>
+    </p:tnLst>
+  </p:timing>
 </p:sld>
 </file>
 
@@ -14927,7 +15450,7 @@
           <p:cNvPr id="2" name="Rectangle 1">
             <a:extLst>
               <a:ext uri="{FF2B5EF4-FFF2-40B4-BE49-F238E27FC236}">
-                <a16:creationId xmlns:a16="http://schemas.microsoft.com/office/drawing/2014/main" id="{0A9EB971-8D63-46D5-B43A-1419EB3D84F2}"/>
+                <a16:creationId xmlns:a16="http://schemas.microsoft.com/office/drawing/2014/main" xmlns="" id="{0A9EB971-8D63-46D5-B43A-1419EB3D84F2}"/>
               </a:ext>
             </a:extLst>
           </p:cNvPr>
@@ -15841,10 +16364,10 @@
                 <a:ea typeface="宋体" panose="02010600030101010101" pitchFamily="2" charset="-122"/>
                 <a:sym typeface="宋体" panose="02010600030101010101" pitchFamily="2" charset="-122"/>
               </a:rPr>
-              <a:t>用户要揭开某一个方块，可单击它。若所揭开的方块是雷，用户便输了这一局，程序发出爆炸的声音。若所揭开方块不是雷，则显示一个数字，该数字表示和和该方块相邻的方块中是雷的方块总数（相邻方块最多可有</a:t>
-            </a:r>
-            <a:r>
-              <a:rPr lang="en-US" altLang="zh-CN" sz="1600" dirty="0">
+              <a:t>用户要揭开某一个方块，可单击它。若所揭开的方块是雷，用户便输了这一局，程序发出爆炸的声音。若所揭开方块不是雷，则显示一个</a:t>
+            </a:r>
+            <a:r>
+              <a:rPr lang="zh-CN" altLang="en-US" sz="1600" dirty="0" smtClean="0">
                 <a:solidFill>
                   <a:srgbClr val="FFFFFF"/>
                 </a:solidFill>
@@ -15852,10 +16375,10 @@
                 <a:ea typeface="宋体" panose="02010600030101010101" pitchFamily="2" charset="-122"/>
                 <a:sym typeface="宋体" panose="02010600030101010101" pitchFamily="2" charset="-122"/>
               </a:rPr>
-              <a:t>8</a:t>
-            </a:r>
-            <a:r>
-              <a:rPr lang="zh-CN" altLang="en-US" sz="1600" dirty="0">
+              <a:t>数字</a:t>
+            </a:r>
+            <a:r>
+              <a:rPr lang="zh-CN" altLang="en-US" sz="1600" dirty="0" smtClean="0">
                 <a:solidFill>
                   <a:srgbClr val="FFFFFF"/>
                 </a:solidFill>
@@ -15863,7 +16386,73 @@
                 <a:ea typeface="宋体" panose="02010600030101010101" pitchFamily="2" charset="-122"/>
                 <a:sym typeface="宋体" panose="02010600030101010101" pitchFamily="2" charset="-122"/>
               </a:rPr>
-              <a:t>个），同时将周围不是雷的方块揭开。</a:t>
+              <a:t>或者空白</a:t>
+            </a:r>
+            <a:r>
+              <a:rPr lang="zh-CN" altLang="en-US" sz="1600" dirty="0" smtClean="0">
+                <a:solidFill>
+                  <a:srgbClr val="FFFFFF"/>
+                </a:solidFill>
+                <a:latin typeface="宋体" panose="02010600030101010101" pitchFamily="2" charset="-122"/>
+                <a:ea typeface="宋体" panose="02010600030101010101" pitchFamily="2" charset="-122"/>
+                <a:sym typeface="宋体" panose="02010600030101010101" pitchFamily="2" charset="-122"/>
+              </a:rPr>
+              <a:t>，</a:t>
+            </a:r>
+            <a:r>
+              <a:rPr lang="zh-CN" altLang="en-US" sz="1600" dirty="0">
+                <a:solidFill>
+                  <a:srgbClr val="FFFFFF"/>
+                </a:solidFill>
+                <a:latin typeface="宋体" panose="02010600030101010101" pitchFamily="2" charset="-122"/>
+                <a:ea typeface="宋体" panose="02010600030101010101" pitchFamily="2" charset="-122"/>
+                <a:sym typeface="宋体" panose="02010600030101010101" pitchFamily="2" charset="-122"/>
+              </a:rPr>
+              <a:t>该数字表示</a:t>
+            </a:r>
+            <a:r>
+              <a:rPr lang="zh-CN" altLang="en-US" sz="1600" dirty="0" smtClean="0">
+                <a:solidFill>
+                  <a:srgbClr val="FFFFFF"/>
+                </a:solidFill>
+                <a:latin typeface="宋体" panose="02010600030101010101" pitchFamily="2" charset="-122"/>
+                <a:ea typeface="宋体" panose="02010600030101010101" pitchFamily="2" charset="-122"/>
+                <a:sym typeface="宋体" panose="02010600030101010101" pitchFamily="2" charset="-122"/>
+              </a:rPr>
+              <a:t>和该</a:t>
+            </a:r>
+            <a:r>
+              <a:rPr lang="zh-CN" altLang="en-US" sz="1600" dirty="0">
+                <a:solidFill>
+                  <a:srgbClr val="FFFFFF"/>
+                </a:solidFill>
+                <a:latin typeface="宋体" panose="02010600030101010101" pitchFamily="2" charset="-122"/>
+                <a:ea typeface="宋体" panose="02010600030101010101" pitchFamily="2" charset="-122"/>
+                <a:sym typeface="宋体" panose="02010600030101010101" pitchFamily="2" charset="-122"/>
+              </a:rPr>
+              <a:t>方块相邻的方块中是雷的方块</a:t>
+            </a:r>
+            <a:r>
+              <a:rPr lang="zh-CN" altLang="en-US" sz="1600" dirty="0" smtClean="0">
+                <a:solidFill>
+                  <a:srgbClr val="FFFFFF"/>
+                </a:solidFill>
+                <a:latin typeface="宋体" panose="02010600030101010101" pitchFamily="2" charset="-122"/>
+                <a:ea typeface="宋体" panose="02010600030101010101" pitchFamily="2" charset="-122"/>
+                <a:sym typeface="宋体" panose="02010600030101010101" pitchFamily="2" charset="-122"/>
+              </a:rPr>
+              <a:t>总数，空白表是附近没有雷</a:t>
+            </a:r>
+            <a:r>
+              <a:rPr lang="en-US" altLang="zh-CN" sz="1600" dirty="0" smtClean="0">
+                <a:solidFill>
+                  <a:srgbClr val="FFFFFF"/>
+                </a:solidFill>
+                <a:latin typeface="宋体" panose="02010600030101010101" pitchFamily="2" charset="-122"/>
+                <a:ea typeface="宋体" panose="02010600030101010101" pitchFamily="2" charset="-122"/>
+                <a:sym typeface="宋体" panose="02010600030101010101" pitchFamily="2" charset="-122"/>
+              </a:rPr>
+              <a:t>.</a:t>
             </a:r>
             <a:endParaRPr lang="zh-CN" altLang="zh-CN" sz="1600" dirty="0">
               <a:solidFill>
@@ -16809,7 +17398,7 @@
           <p:cNvPr id="3" name="Rectangle 1">
             <a:extLst>
               <a:ext uri="{FF2B5EF4-FFF2-40B4-BE49-F238E27FC236}">
-                <a16:creationId xmlns:a16="http://schemas.microsoft.com/office/drawing/2014/main" id="{B3C1F130-53D6-4350-AF8D-AEB8717C87CE}"/>
+                <a16:creationId xmlns:a16="http://schemas.microsoft.com/office/drawing/2014/main" xmlns="" id="{B3C1F130-53D6-4350-AF8D-AEB8717C87CE}"/>
               </a:ext>
             </a:extLst>
           </p:cNvPr>
@@ -20547,7 +21136,7 @@
           <p:cNvPr id="50" name="组合 49">
             <a:extLst>
               <a:ext uri="{FF2B5EF4-FFF2-40B4-BE49-F238E27FC236}">
-                <a16:creationId xmlns:a16="http://schemas.microsoft.com/office/drawing/2014/main" id="{8B871A9B-1EBD-438B-BC9D-D3E5CC3E462D}"/>
+                <a16:creationId xmlns:a16="http://schemas.microsoft.com/office/drawing/2014/main" xmlns="" id="{8B871A9B-1EBD-438B-BC9D-D3E5CC3E462D}"/>
               </a:ext>
             </a:extLst>
           </p:cNvPr>
@@ -20567,7 +21156,7 @@
             <p:cNvPr id="51" name="椭圆 50">
               <a:extLst>
                 <a:ext uri="{FF2B5EF4-FFF2-40B4-BE49-F238E27FC236}">
-                  <a16:creationId xmlns:a16="http://schemas.microsoft.com/office/drawing/2014/main" id="{26638CA2-276A-4B07-8549-218EB383AFEF}"/>
+                  <a16:creationId xmlns:a16="http://schemas.microsoft.com/office/drawing/2014/main" xmlns="" id="{26638CA2-276A-4B07-8549-218EB383AFEF}"/>
                 </a:ext>
               </a:extLst>
             </p:cNvPr>
@@ -20654,7 +21243,7 @@
             <p:cNvPr id="52" name="Text Placeholder 12">
               <a:extLst>
                 <a:ext uri="{FF2B5EF4-FFF2-40B4-BE49-F238E27FC236}">
-                  <a16:creationId xmlns:a16="http://schemas.microsoft.com/office/drawing/2014/main" id="{B896306F-337B-4FFF-B4B3-8E326839CFC0}"/>
+                  <a16:creationId xmlns:a16="http://schemas.microsoft.com/office/drawing/2014/main" xmlns="" id="{B896306F-337B-4FFF-B4B3-8E326839CFC0}"/>
                 </a:ext>
               </a:extLst>
             </p:cNvPr>
@@ -20905,7 +21494,7 @@
           <p:cNvPr id="56" name="组合 55">
             <a:extLst>
               <a:ext uri="{FF2B5EF4-FFF2-40B4-BE49-F238E27FC236}">
-                <a16:creationId xmlns:a16="http://schemas.microsoft.com/office/drawing/2014/main" id="{AF11E925-BF8E-462E-A289-67CA8F38C4E1}"/>
+                <a16:creationId xmlns:a16="http://schemas.microsoft.com/office/drawing/2014/main" xmlns="" id="{AF11E925-BF8E-462E-A289-67CA8F38C4E1}"/>
               </a:ext>
             </a:extLst>
           </p:cNvPr>
@@ -20925,7 +21514,7 @@
             <p:cNvPr id="57" name="椭圆 56">
               <a:extLst>
                 <a:ext uri="{FF2B5EF4-FFF2-40B4-BE49-F238E27FC236}">
-                  <a16:creationId xmlns:a16="http://schemas.microsoft.com/office/drawing/2014/main" id="{3EE8B586-7B2F-4B9A-BCE7-2207384B2B2A}"/>
+                  <a16:creationId xmlns:a16="http://schemas.microsoft.com/office/drawing/2014/main" xmlns="" id="{3EE8B586-7B2F-4B9A-BCE7-2207384B2B2A}"/>
                 </a:ext>
               </a:extLst>
             </p:cNvPr>
@@ -21012,7 +21601,7 @@
             <p:cNvPr id="58" name="Text Placeholder 12">
               <a:extLst>
                 <a:ext uri="{FF2B5EF4-FFF2-40B4-BE49-F238E27FC236}">
-                  <a16:creationId xmlns:a16="http://schemas.microsoft.com/office/drawing/2014/main" id="{6BACE58C-DC46-4ECE-B71D-EB4B3A3666CB}"/>
+                  <a16:creationId xmlns:a16="http://schemas.microsoft.com/office/drawing/2014/main" xmlns="" id="{6BACE58C-DC46-4ECE-B71D-EB4B3A3666CB}"/>
                 </a:ext>
               </a:extLst>
             </p:cNvPr>
@@ -21263,7 +21852,7 @@
           <p:cNvPr id="59" name="组合 58">
             <a:extLst>
               <a:ext uri="{FF2B5EF4-FFF2-40B4-BE49-F238E27FC236}">
-                <a16:creationId xmlns:a16="http://schemas.microsoft.com/office/drawing/2014/main" id="{E8463CD2-8FFF-40D4-8AD5-75DB016633E9}"/>
+                <a16:creationId xmlns:a16="http://schemas.microsoft.com/office/drawing/2014/main" xmlns="" id="{E8463CD2-8FFF-40D4-8AD5-75DB016633E9}"/>
               </a:ext>
             </a:extLst>
           </p:cNvPr>
@@ -21283,7 +21872,7 @@
             <p:cNvPr id="60" name="椭圆 59">
               <a:extLst>
                 <a:ext uri="{FF2B5EF4-FFF2-40B4-BE49-F238E27FC236}">
-                  <a16:creationId xmlns:a16="http://schemas.microsoft.com/office/drawing/2014/main" id="{04FE9853-37E3-4598-A186-4FF6569F6D5D}"/>
+                  <a16:creationId xmlns:a16="http://schemas.microsoft.com/office/drawing/2014/main" xmlns="" id="{04FE9853-37E3-4598-A186-4FF6569F6D5D}"/>
                 </a:ext>
               </a:extLst>
             </p:cNvPr>
@@ -21370,7 +21959,7 @@
             <p:cNvPr id="61" name="Text Placeholder 12">
               <a:extLst>
                 <a:ext uri="{FF2B5EF4-FFF2-40B4-BE49-F238E27FC236}">
-                  <a16:creationId xmlns:a16="http://schemas.microsoft.com/office/drawing/2014/main" id="{FF4EA899-BC51-4350-8D42-88AE93CCB81A}"/>
+                  <a16:creationId xmlns:a16="http://schemas.microsoft.com/office/drawing/2014/main" xmlns="" id="{FF4EA899-BC51-4350-8D42-88AE93CCB81A}"/>
                 </a:ext>
               </a:extLst>
             </p:cNvPr>
@@ -21621,7 +22210,7 @@
           <p:cNvPr id="62" name="组合 61">
             <a:extLst>
               <a:ext uri="{FF2B5EF4-FFF2-40B4-BE49-F238E27FC236}">
-                <a16:creationId xmlns:a16="http://schemas.microsoft.com/office/drawing/2014/main" id="{A7365BA1-375A-4FDE-A2A4-F29AAA65BF2C}"/>
+                <a16:creationId xmlns:a16="http://schemas.microsoft.com/office/drawing/2014/main" xmlns="" id="{A7365BA1-375A-4FDE-A2A4-F29AAA65BF2C}"/>
               </a:ext>
             </a:extLst>
           </p:cNvPr>
@@ -21641,7 +22230,7 @@
             <p:cNvPr id="63" name="椭圆 62">
               <a:extLst>
                 <a:ext uri="{FF2B5EF4-FFF2-40B4-BE49-F238E27FC236}">
-                  <a16:creationId xmlns:a16="http://schemas.microsoft.com/office/drawing/2014/main" id="{BEA0D513-B9FD-4210-8694-F0953E7C9B3E}"/>
+                  <a16:creationId xmlns:a16="http://schemas.microsoft.com/office/drawing/2014/main" xmlns="" id="{BEA0D513-B9FD-4210-8694-F0953E7C9B3E}"/>
                 </a:ext>
               </a:extLst>
             </p:cNvPr>
@@ -21728,7 +22317,7 @@
             <p:cNvPr id="64" name="Text Placeholder 12">
               <a:extLst>
                 <a:ext uri="{FF2B5EF4-FFF2-40B4-BE49-F238E27FC236}">
-                  <a16:creationId xmlns:a16="http://schemas.microsoft.com/office/drawing/2014/main" id="{1FAF2991-9557-4DA9-A812-8652BAA34181}"/>
+                  <a16:creationId xmlns:a16="http://schemas.microsoft.com/office/drawing/2014/main" xmlns="" id="{1FAF2991-9557-4DA9-A812-8652BAA34181}"/>
                 </a:ext>
               </a:extLst>
             </p:cNvPr>
@@ -21979,7 +22568,7 @@
           <p:cNvPr id="2" name="文本框 1">
             <a:extLst>
               <a:ext uri="{FF2B5EF4-FFF2-40B4-BE49-F238E27FC236}">
-                <a16:creationId xmlns:a16="http://schemas.microsoft.com/office/drawing/2014/main" id="{DB350781-36E8-4ACD-A1BB-1C01B0D28C2F}"/>
+                <a16:creationId xmlns:a16="http://schemas.microsoft.com/office/drawing/2014/main" xmlns="" id="{DB350781-36E8-4ACD-A1BB-1C01B0D28C2F}"/>
               </a:ext>
             </a:extLst>
           </p:cNvPr>
@@ -22020,7 +22609,7 @@
           <p:cNvPr id="5" name="文本框 4">
             <a:extLst>
               <a:ext uri="{FF2B5EF4-FFF2-40B4-BE49-F238E27FC236}">
-                <a16:creationId xmlns:a16="http://schemas.microsoft.com/office/drawing/2014/main" id="{0C2075E8-4004-4725-8739-83D2F7DCF181}"/>
+                <a16:creationId xmlns:a16="http://schemas.microsoft.com/office/drawing/2014/main" xmlns="" id="{0C2075E8-4004-4725-8739-83D2F7DCF181}"/>
               </a:ext>
             </a:extLst>
           </p:cNvPr>
@@ -22061,7 +22650,7 @@
           <p:cNvPr id="65" name="文本框 64">
             <a:extLst>
               <a:ext uri="{FF2B5EF4-FFF2-40B4-BE49-F238E27FC236}">
-                <a16:creationId xmlns:a16="http://schemas.microsoft.com/office/drawing/2014/main" id="{EEE2D32E-390F-4058-84EF-D719DDA19257}"/>
+                <a16:creationId xmlns:a16="http://schemas.microsoft.com/office/drawing/2014/main" xmlns="" id="{EEE2D32E-390F-4058-84EF-D719DDA19257}"/>
               </a:ext>
             </a:extLst>
           </p:cNvPr>
@@ -22102,7 +22691,7 @@
           <p:cNvPr id="66" name="文本框 65">
             <a:extLst>
               <a:ext uri="{FF2B5EF4-FFF2-40B4-BE49-F238E27FC236}">
-                <a16:creationId xmlns:a16="http://schemas.microsoft.com/office/drawing/2014/main" id="{B466F28E-0858-4704-B1CB-6F2855AE8F57}"/>
+                <a16:creationId xmlns:a16="http://schemas.microsoft.com/office/drawing/2014/main" xmlns="" id="{B466F28E-0858-4704-B1CB-6F2855AE8F57}"/>
               </a:ext>
             </a:extLst>
           </p:cNvPr>
@@ -22397,7 +22986,7 @@
           <p:cNvPr id="4" name="图片 3">
             <a:extLst>
               <a:ext uri="{FF2B5EF4-FFF2-40B4-BE49-F238E27FC236}">
-                <a16:creationId xmlns:a16="http://schemas.microsoft.com/office/drawing/2014/main" id="{EA09F5DB-755F-45A5-8972-5A7FDC08296F}"/>
+                <a16:creationId xmlns:a16="http://schemas.microsoft.com/office/drawing/2014/main" xmlns="" id="{EA09F5DB-755F-45A5-8972-5A7FDC08296F}"/>
               </a:ext>
             </a:extLst>
           </p:cNvPr>
@@ -22427,7 +23016,7 @@
           <p:cNvPr id="5" name="图片 4">
             <a:extLst>
               <a:ext uri="{FF2B5EF4-FFF2-40B4-BE49-F238E27FC236}">
-                <a16:creationId xmlns:a16="http://schemas.microsoft.com/office/drawing/2014/main" id="{314AF3EA-F1CF-4A43-9D1F-9605904D2D35}"/>
+                <a16:creationId xmlns:a16="http://schemas.microsoft.com/office/drawing/2014/main" xmlns="" id="{314AF3EA-F1CF-4A43-9D1F-9605904D2D35}"/>
               </a:ext>
             </a:extLst>
           </p:cNvPr>
@@ -22457,7 +23046,7 @@
           <p:cNvPr id="6" name="文本框 5">
             <a:extLst>
               <a:ext uri="{FF2B5EF4-FFF2-40B4-BE49-F238E27FC236}">
-                <a16:creationId xmlns:a16="http://schemas.microsoft.com/office/drawing/2014/main" id="{3A95A986-A3C5-495A-A2A4-D565F4114AA4}"/>
+                <a16:creationId xmlns:a16="http://schemas.microsoft.com/office/drawing/2014/main" xmlns="" id="{3A95A986-A3C5-495A-A2A4-D565F4114AA4}"/>
               </a:ext>
             </a:extLst>
           </p:cNvPr>
@@ -22496,7 +23085,7 @@
           <p:cNvPr id="7" name="文本框 6">
             <a:extLst>
               <a:ext uri="{FF2B5EF4-FFF2-40B4-BE49-F238E27FC236}">
-                <a16:creationId xmlns:a16="http://schemas.microsoft.com/office/drawing/2014/main" id="{CBB6F256-69E2-4CDD-84F4-C60D8925B415}"/>
+                <a16:creationId xmlns:a16="http://schemas.microsoft.com/office/drawing/2014/main" xmlns="" id="{CBB6F256-69E2-4CDD-84F4-C60D8925B415}"/>
               </a:ext>
             </a:extLst>
           </p:cNvPr>
@@ -22550,6 +23139,13 @@
       </p:transition>
     </mc:Fallback>
   </mc:AlternateContent>
+  <p:timing>
+    <p:tnLst>
+      <p:par>
+        <p:cTn id="1" dur="indefinite" restart="never" nodeType="tmRoot"/>
+      </p:par>
+    </p:tnLst>
+  </p:timing>
 </p:sld>
 </file>
 
@@ -22703,7 +23299,7 @@
           <p:cNvPr id="2" name="文本框 1">
             <a:extLst>
               <a:ext uri="{FF2B5EF4-FFF2-40B4-BE49-F238E27FC236}">
-                <a16:creationId xmlns:a16="http://schemas.microsoft.com/office/drawing/2014/main" id="{61E869B1-EAC3-4735-9FF4-CE34F7E963CF}"/>
+                <a16:creationId xmlns:a16="http://schemas.microsoft.com/office/drawing/2014/main" xmlns="" id="{61E869B1-EAC3-4735-9FF4-CE34F7E963CF}"/>
               </a:ext>
             </a:extLst>
           </p:cNvPr>
@@ -22742,7 +23338,7 @@
           <p:cNvPr id="3" name="图片 2">
             <a:extLst>
               <a:ext uri="{FF2B5EF4-FFF2-40B4-BE49-F238E27FC236}">
-                <a16:creationId xmlns:a16="http://schemas.microsoft.com/office/drawing/2014/main" id="{B04E3A83-2B4E-4222-A6FD-03A7FB880372}"/>
+                <a16:creationId xmlns:a16="http://schemas.microsoft.com/office/drawing/2014/main" xmlns="" id="{B04E3A83-2B4E-4222-A6FD-03A7FB880372}"/>
               </a:ext>
             </a:extLst>
           </p:cNvPr>
@@ -22772,7 +23368,7 @@
           <p:cNvPr id="4" name="图片 3">
             <a:extLst>
               <a:ext uri="{FF2B5EF4-FFF2-40B4-BE49-F238E27FC236}">
-                <a16:creationId xmlns:a16="http://schemas.microsoft.com/office/drawing/2014/main" id="{FA8DDC39-2805-4E62-9C20-CD4AF7EEBF13}"/>
+                <a16:creationId xmlns:a16="http://schemas.microsoft.com/office/drawing/2014/main" xmlns="" id="{FA8DDC39-2805-4E62-9C20-CD4AF7EEBF13}"/>
               </a:ext>
             </a:extLst>
           </p:cNvPr>
@@ -22802,7 +23398,7 @@
           <p:cNvPr id="5" name="文本框 4">
             <a:extLst>
               <a:ext uri="{FF2B5EF4-FFF2-40B4-BE49-F238E27FC236}">
-                <a16:creationId xmlns:a16="http://schemas.microsoft.com/office/drawing/2014/main" id="{A9A48000-83FA-439F-9BD4-974B9D220C89}"/>
+                <a16:creationId xmlns:a16="http://schemas.microsoft.com/office/drawing/2014/main" xmlns="" id="{A9A48000-83FA-439F-9BD4-974B9D220C89}"/>
               </a:ext>
             </a:extLst>
           </p:cNvPr>
@@ -22841,7 +23437,7 @@
           <p:cNvPr id="6" name="图片 5">
             <a:extLst>
               <a:ext uri="{FF2B5EF4-FFF2-40B4-BE49-F238E27FC236}">
-                <a16:creationId xmlns:a16="http://schemas.microsoft.com/office/drawing/2014/main" id="{895CEF0B-904E-4894-9A6F-B0DC97EDA94A}"/>
+                <a16:creationId xmlns:a16="http://schemas.microsoft.com/office/drawing/2014/main" xmlns="" id="{895CEF0B-904E-4894-9A6F-B0DC97EDA94A}"/>
               </a:ext>
             </a:extLst>
           </p:cNvPr>
@@ -22871,7 +23467,7 @@
           <p:cNvPr id="7" name="文本框 6">
             <a:extLst>
               <a:ext uri="{FF2B5EF4-FFF2-40B4-BE49-F238E27FC236}">
-                <a16:creationId xmlns:a16="http://schemas.microsoft.com/office/drawing/2014/main" id="{AF033250-D13F-4971-8E78-1FABED86ADDB}"/>
+                <a16:creationId xmlns:a16="http://schemas.microsoft.com/office/drawing/2014/main" xmlns="" id="{AF033250-D13F-4971-8E78-1FABED86ADDB}"/>
               </a:ext>
             </a:extLst>
           </p:cNvPr>
@@ -23117,7 +23713,7 @@
           <p:cNvPr id="4" name="图片 3">
             <a:extLst>
               <a:ext uri="{FF2B5EF4-FFF2-40B4-BE49-F238E27FC236}">
-                <a16:creationId xmlns:a16="http://schemas.microsoft.com/office/drawing/2014/main" id="{993CC6B3-4D85-4758-8766-5E4E64DCB4D0}"/>
+                <a16:creationId xmlns:a16="http://schemas.microsoft.com/office/drawing/2014/main" xmlns="" id="{993CC6B3-4D85-4758-8766-5E4E64DCB4D0}"/>
               </a:ext>
             </a:extLst>
           </p:cNvPr>
@@ -23147,7 +23743,7 @@
           <p:cNvPr id="5" name="文本框 4">
             <a:extLst>
               <a:ext uri="{FF2B5EF4-FFF2-40B4-BE49-F238E27FC236}">
-                <a16:creationId xmlns:a16="http://schemas.microsoft.com/office/drawing/2014/main" id="{17CB912A-3CB0-4468-80DB-34612505CCD5}"/>
+                <a16:creationId xmlns:a16="http://schemas.microsoft.com/office/drawing/2014/main" xmlns="" id="{17CB912A-3CB0-4468-80DB-34612505CCD5}"/>
               </a:ext>
             </a:extLst>
           </p:cNvPr>
@@ -23186,7 +23782,7 @@
           <p:cNvPr id="6" name="图片 5">
             <a:extLst>
               <a:ext uri="{FF2B5EF4-FFF2-40B4-BE49-F238E27FC236}">
-                <a16:creationId xmlns:a16="http://schemas.microsoft.com/office/drawing/2014/main" id="{01F153E7-0141-42BA-AFB8-51B441813A65}"/>
+                <a16:creationId xmlns:a16="http://schemas.microsoft.com/office/drawing/2014/main" xmlns="" id="{01F153E7-0141-42BA-AFB8-51B441813A65}"/>
               </a:ext>
             </a:extLst>
           </p:cNvPr>
@@ -23216,7 +23812,7 @@
           <p:cNvPr id="7" name="文本框 6">
             <a:extLst>
               <a:ext uri="{FF2B5EF4-FFF2-40B4-BE49-F238E27FC236}">
-                <a16:creationId xmlns:a16="http://schemas.microsoft.com/office/drawing/2014/main" id="{C6BE2570-4702-43B5-97F3-ADB3D6A74A18}"/>
+                <a16:creationId xmlns:a16="http://schemas.microsoft.com/office/drawing/2014/main" xmlns="" id="{C6BE2570-4702-43B5-97F3-ADB3D6A74A18}"/>
               </a:ext>
             </a:extLst>
           </p:cNvPr>
@@ -23275,6 +23871,13 @@
       </p:transition>
     </mc:Fallback>
   </mc:AlternateContent>
+  <p:timing>
+    <p:tnLst>
+      <p:par>
+        <p:cTn id="1" dur="indefinite" restart="never" nodeType="tmRoot"/>
+      </p:par>
+    </p:tnLst>
+  </p:timing>
 </p:sld>
 </file>
 
@@ -24290,7 +24893,7 @@
   </a:extraClrSchemeLst>
   <a:extLst>
     <a:ext uri="{05A4C25C-085E-4340-85A3-A5531E510DB2}">
-      <thm15:themeFamily xmlns:thm15="http://schemas.microsoft.com/office/thememl/2012/main" name="Office Theme" id="{62F939B6-93AF-4DB8-9C6B-D6C7DFDC589F}" vid="{4A3C46E8-61CC-4603-A589-7422A47A8E4A}"/>
+      <thm15:themeFamily xmlns:thm15="http://schemas.microsoft.com/office/thememl/2012/main" xmlns="" name="Office Theme" id="{62F939B6-93AF-4DB8-9C6B-D6C7DFDC589F}" vid="{4A3C46E8-61CC-4603-A589-7422A47A8E4A}"/>
     </a:ext>
   </a:extLst>
 </a:theme>
@@ -24580,7 +25183,7 @@
   <a:extraClrSchemeLst/>
   <a:extLst>
     <a:ext uri="{05A4C25C-085E-4340-85A3-A5531E510DB2}">
-      <thm15:themeFamily xmlns:thm15="http://schemas.microsoft.com/office/thememl/2012/main" name="Office Theme" id="{62F939B6-93AF-4DB8-9C6B-D6C7DFDC589F}" vid="{4A3C46E8-61CC-4603-A589-7422A47A8E4A}"/>
+      <thm15:themeFamily xmlns:thm15="http://schemas.microsoft.com/office/thememl/2012/main" xmlns="" name="Office Theme" id="{62F939B6-93AF-4DB8-9C6B-D6C7DFDC589F}" vid="{4A3C46E8-61CC-4603-A589-7422A47A8E4A}"/>
     </a:ext>
   </a:extLst>
 </a:theme>

--- a/doc/扫雷.pptx
+++ b/doc/扫雷.pptx
@@ -126,7 +126,7 @@
   </p:defaultTextStyle>
   <p:extLst>
     <p:ext uri="{EFAFB233-063F-42B5-8137-9DF3F51BA10A}">
-      <p15:sldGuideLst xmlns:p15="http://schemas.microsoft.com/office/powerpoint/2012/main" xmlns="">
+      <p15:sldGuideLst xmlns="" xmlns:p15="http://schemas.microsoft.com/office/powerpoint/2012/main">
         <p15:guide id="1" orient="horz" pos="2160">
           <p15:clr>
             <a:srgbClr val="A4A3A4"/>
@@ -225,7 +225,7 @@
           <a:p>
             <a:fld id="{170BCBEC-2BB4-4AC4-A61C-7BB0931099B5}" type="datetimeFigureOut">
               <a:rPr lang="zh-CN" altLang="en-US" smtClean="0"/>
-              <a:t>2020/1/1</a:t>
+              <a:t>2020/1/2</a:t>
             </a:fld>
             <a:endParaRPr lang="zh-CN" altLang="en-US"/>
           </a:p>
@@ -763,7 +763,7 @@
           <a:p>
             <a:fld id="{818F2DAA-36EA-4F0C-901F-735D510B7A7A}" type="datetime1">
               <a:rPr lang="zh-CN" altLang="en-US" smtClean="0"/>
-              <a:t>2020/1/1</a:t>
+              <a:t>2020/1/2</a:t>
             </a:fld>
             <a:endParaRPr lang="zh-CN" altLang="en-US"/>
           </a:p>
@@ -988,7 +988,7 @@
           <a:p>
             <a:fld id="{818F2DAA-36EA-4F0C-901F-735D510B7A7A}" type="datetime1">
               <a:rPr lang="zh-CN" altLang="en-US" smtClean="0"/>
-              <a:t>2020/1/1</a:t>
+              <a:t>2020/1/2</a:t>
             </a:fld>
             <a:endParaRPr lang="zh-CN" altLang="en-US"/>
           </a:p>
@@ -1578,7 +1578,7 @@
           <a:p>
             <a:fld id="{818F2DAA-36EA-4F0C-901F-735D510B7A7A}" type="datetime1">
               <a:rPr lang="zh-CN" altLang="en-US" smtClean="0"/>
-              <a:t>2020/1/1</a:t>
+              <a:t>2020/1/2</a:t>
             </a:fld>
             <a:endParaRPr lang="zh-CN" altLang="en-US"/>
           </a:p>
@@ -1798,7 +1798,7 @@
           <a:p>
             <a:fld id="{818F2DAA-36EA-4F0C-901F-735D510B7A7A}" type="datetime1">
               <a:rPr lang="zh-CN" altLang="en-US" smtClean="0"/>
-              <a:t>2020/1/1</a:t>
+              <a:t>2020/1/2</a:t>
             </a:fld>
             <a:endParaRPr lang="zh-CN" altLang="en-US"/>
           </a:p>
@@ -2603,7 +2603,7 @@
           <a:p>
             <a:fld id="{818F2DAA-36EA-4F0C-901F-735D510B7A7A}" type="datetime1">
               <a:rPr lang="zh-CN" altLang="en-US" smtClean="0"/>
-              <a:t>2020/1/1</a:t>
+              <a:t>2020/1/2</a:t>
             </a:fld>
             <a:endParaRPr lang="zh-CN" altLang="en-US"/>
           </a:p>
@@ -3959,7 +3959,7 @@
           <a:p>
             <a:fld id="{818F2DAA-36EA-4F0C-901F-735D510B7A7A}" type="datetime1">
               <a:rPr lang="zh-CN" altLang="en-US" smtClean="0"/>
-              <a:t>2020/1/1</a:t>
+              <a:t>2020/1/2</a:t>
             </a:fld>
             <a:endParaRPr lang="zh-CN" altLang="en-US"/>
           </a:p>
@@ -4061,7 +4061,7 @@
           <a:p>
             <a:fld id="{818F2DAA-36EA-4F0C-901F-735D510B7A7A}" type="datetime1">
               <a:rPr lang="zh-CN" altLang="en-US" smtClean="0"/>
-              <a:t>2020/1/1</a:t>
+              <a:t>2020/1/2</a:t>
             </a:fld>
             <a:endParaRPr lang="zh-CN" altLang="en-US"/>
           </a:p>
@@ -4336,7 +4336,7 @@
           <a:p>
             <a:fld id="{818F2DAA-36EA-4F0C-901F-735D510B7A7A}" type="datetime1">
               <a:rPr lang="zh-CN" altLang="en-US" smtClean="0"/>
-              <a:t>2020/1/1</a:t>
+              <a:t>2020/1/2</a:t>
             </a:fld>
             <a:endParaRPr lang="zh-CN" altLang="en-US"/>
           </a:p>
@@ -4542,7 +4542,7 @@
           <a:p>
             <a:fld id="{818F2DAA-36EA-4F0C-901F-735D510B7A7A}" type="datetime1">
               <a:rPr lang="zh-CN" altLang="en-US" smtClean="0"/>
-              <a:t>2020/1/1</a:t>
+              <a:t>2020/1/2</a:t>
             </a:fld>
             <a:endParaRPr lang="zh-CN" altLang="en-US"/>
           </a:p>
@@ -4855,7 +4855,7 @@
           <a:p>
             <a:fld id="{818F2DAA-36EA-4F0C-901F-735D510B7A7A}" type="datetime1">
               <a:rPr lang="zh-CN" altLang="en-US" smtClean="0"/>
-              <a:t>2020/1/1</a:t>
+              <a:t>2020/1/2</a:t>
             </a:fld>
             <a:endParaRPr lang="zh-CN" altLang="en-US"/>
           </a:p>
@@ -7256,7 +7256,7 @@
           <p:cNvPr id="6" name="组合 5">
             <a:extLst>
               <a:ext uri="{FF2B5EF4-FFF2-40B4-BE49-F238E27FC236}">
-                <a16:creationId xmlns:a16="http://schemas.microsoft.com/office/drawing/2014/main" xmlns="" id="{9619D55B-88EB-4A35-97E8-14D2CD6CE907}"/>
+                <a16:creationId xmlns="" xmlns:a16="http://schemas.microsoft.com/office/drawing/2014/main" id="{9619D55B-88EB-4A35-97E8-14D2CD6CE907}"/>
               </a:ext>
             </a:extLst>
           </p:cNvPr>
@@ -7276,7 +7276,7 @@
             <p:cNvPr id="7" name="圆角矩形 36">
               <a:extLst>
                 <a:ext uri="{FF2B5EF4-FFF2-40B4-BE49-F238E27FC236}">
-                  <a16:creationId xmlns:a16="http://schemas.microsoft.com/office/drawing/2014/main" xmlns="" id="{6F32CA69-5093-47FA-A55C-9325B16CB1D4}"/>
+                  <a16:creationId xmlns="" xmlns:a16="http://schemas.microsoft.com/office/drawing/2014/main" id="{6F32CA69-5093-47FA-A55C-9325B16CB1D4}"/>
                 </a:ext>
               </a:extLst>
             </p:cNvPr>
@@ -7330,7 +7330,7 @@
             <p:cNvPr id="8" name="矩形 7">
               <a:extLst>
                 <a:ext uri="{FF2B5EF4-FFF2-40B4-BE49-F238E27FC236}">
-                  <a16:creationId xmlns:a16="http://schemas.microsoft.com/office/drawing/2014/main" xmlns="" id="{E396F2DA-9F9F-486A-A776-A69E0F5D10BA}"/>
+                  <a16:creationId xmlns="" xmlns:a16="http://schemas.microsoft.com/office/drawing/2014/main" id="{E396F2DA-9F9F-486A-A776-A69E0F5D10BA}"/>
                 </a:ext>
               </a:extLst>
             </p:cNvPr>
@@ -7369,7 +7369,7 @@
           <p:cNvPr id="3" name="矩形 2">
             <a:extLst>
               <a:ext uri="{FF2B5EF4-FFF2-40B4-BE49-F238E27FC236}">
-                <a16:creationId xmlns:a16="http://schemas.microsoft.com/office/drawing/2014/main" xmlns="" id="{4F21311E-1F31-4796-91C9-8C32E7C12592}"/>
+                <a16:creationId xmlns="" xmlns:a16="http://schemas.microsoft.com/office/drawing/2014/main" id="{4F21311E-1F31-4796-91C9-8C32E7C12592}"/>
               </a:ext>
             </a:extLst>
           </p:cNvPr>
@@ -7453,39 +7453,7 @@
                   <a:schemeClr val="accent4"/>
                 </a:solidFill>
               </a:rPr>
-              <a:t>区</a:t>
-            </a:r>
-            <a:r>
-              <a:rPr lang="zh-CN" altLang="en-US" dirty="0" smtClean="0">
-                <a:solidFill>
-                  <a:schemeClr val="accent4"/>
-                </a:solidFill>
-              </a:rPr>
-              <a:t>随机</a:t>
-            </a:r>
-            <a:r>
-              <a:rPr lang="zh-CN" altLang="en-US" dirty="0" smtClean="0">
-                <a:solidFill>
-                  <a:schemeClr val="accent4"/>
-                </a:solidFill>
-              </a:rPr>
-              <a:t>的</a:t>
-            </a:r>
-            <a:r>
-              <a:rPr lang="zh-CN" altLang="en-US" dirty="0" smtClean="0">
-                <a:solidFill>
-                  <a:schemeClr val="accent4"/>
-                </a:solidFill>
-              </a:rPr>
-              <a:t>布</a:t>
-            </a:r>
-            <a:r>
-              <a:rPr lang="zh-CN" altLang="en-US" dirty="0" smtClean="0">
-                <a:solidFill>
-                  <a:schemeClr val="accent4"/>
-                </a:solidFill>
-              </a:rPr>
-              <a:t>上</a:t>
+              <a:t>区随机的布上</a:t>
             </a:r>
             <a:r>
               <a:rPr lang="en-US" altLang="zh-CN" dirty="0" smtClean="0">
@@ -7687,7 +7655,7 @@
           <p:cNvPr id="4" name="矩形 3">
             <a:extLst>
               <a:ext uri="{FF2B5EF4-FFF2-40B4-BE49-F238E27FC236}">
-                <a16:creationId xmlns:a16="http://schemas.microsoft.com/office/drawing/2014/main" xmlns="" id="{499C6479-A4C3-4BBE-B46C-A20D057EB1F6}"/>
+                <a16:creationId xmlns="" xmlns:a16="http://schemas.microsoft.com/office/drawing/2014/main" id="{499C6479-A4C3-4BBE-B46C-A20D057EB1F6}"/>
               </a:ext>
             </a:extLst>
           </p:cNvPr>
@@ -7723,23 +7691,7 @@
                   <a:schemeClr val="accent4"/>
                 </a:solidFill>
               </a:rPr>
-              <a:t>计算</a:t>
-            </a:r>
-            <a:r>
-              <a:rPr lang="zh-CN" altLang="en-US" dirty="0" smtClean="0">
-                <a:solidFill>
-                  <a:schemeClr val="accent4"/>
-                </a:solidFill>
-              </a:rPr>
-              <a:t>每个方块</a:t>
-            </a:r>
-            <a:r>
-              <a:rPr lang="zh-CN" altLang="en-US" dirty="0" smtClean="0">
-                <a:solidFill>
-                  <a:schemeClr val="accent4"/>
-                </a:solidFill>
-              </a:rPr>
-              <a:t>周围存在的雷</a:t>
+              <a:t>计算每个方块周围存在的雷</a:t>
             </a:r>
             <a:r>
               <a:rPr lang="zh-CN" altLang="en-US" dirty="0">
@@ -8016,7 +7968,7 @@
           <p:cNvPr id="6" name="矩形 5">
             <a:extLst>
               <a:ext uri="{FF2B5EF4-FFF2-40B4-BE49-F238E27FC236}">
-                <a16:creationId xmlns:a16="http://schemas.microsoft.com/office/drawing/2014/main" xmlns="" id="{057EB775-2C79-4BAA-9255-971686F64403}"/>
+                <a16:creationId xmlns="" xmlns:a16="http://schemas.microsoft.com/office/drawing/2014/main" id="{057EB775-2C79-4BAA-9255-971686F64403}"/>
               </a:ext>
             </a:extLst>
           </p:cNvPr>
@@ -8112,7 +8064,7 @@
           <p:cNvPr id="7" name="矩形 6">
             <a:extLst>
               <a:ext uri="{FF2B5EF4-FFF2-40B4-BE49-F238E27FC236}">
-                <a16:creationId xmlns:a16="http://schemas.microsoft.com/office/drawing/2014/main" xmlns="" id="{607EB303-CB3E-4E17-83E7-FB03F06F2290}"/>
+                <a16:creationId xmlns="" xmlns:a16="http://schemas.microsoft.com/office/drawing/2014/main" id="{607EB303-CB3E-4E17-83E7-FB03F06F2290}"/>
               </a:ext>
             </a:extLst>
           </p:cNvPr>
@@ -8223,7 +8175,7 @@
           <p:cNvPr id="2" name="文本框 1">
             <a:extLst>
               <a:ext uri="{FF2B5EF4-FFF2-40B4-BE49-F238E27FC236}">
-                <a16:creationId xmlns:a16="http://schemas.microsoft.com/office/drawing/2014/main" xmlns="" id="{63E03BA4-90BF-4219-B768-666A0D15B8C6}"/>
+                <a16:creationId xmlns="" xmlns:a16="http://schemas.microsoft.com/office/drawing/2014/main" id="{63E03BA4-90BF-4219-B768-666A0D15B8C6}"/>
               </a:ext>
             </a:extLst>
           </p:cNvPr>
@@ -8264,7 +8216,7 @@
           <p:cNvPr id="3" name="文本框 2">
             <a:extLst>
               <a:ext uri="{FF2B5EF4-FFF2-40B4-BE49-F238E27FC236}">
-                <a16:creationId xmlns:a16="http://schemas.microsoft.com/office/drawing/2014/main" xmlns="" id="{EE27121B-D670-4F8A-A7F9-4E0B3EEB2045}"/>
+                <a16:creationId xmlns="" xmlns:a16="http://schemas.microsoft.com/office/drawing/2014/main" id="{EE27121B-D670-4F8A-A7F9-4E0B3EEB2045}"/>
               </a:ext>
             </a:extLst>
           </p:cNvPr>
@@ -8295,17 +8247,7 @@
                 <a:latin typeface="微软雅黑" panose="020B0503020204020204" pitchFamily="34" charset="-122"/>
                 <a:ea typeface="微软雅黑" panose="020B0503020204020204" pitchFamily="34" charset="-122"/>
               </a:rPr>
-              <a:t>数据模型中类</a:t>
-            </a:r>
-            <a:r>
-              <a:rPr lang="zh-CN" altLang="en-US" sz="2400" b="1" dirty="0" smtClean="0">
-                <a:solidFill>
-                  <a:schemeClr val="accent4"/>
-                </a:solidFill>
-                <a:latin typeface="微软雅黑" panose="020B0503020204020204" pitchFamily="34" charset="-122"/>
-                <a:ea typeface="微软雅黑" panose="020B0503020204020204" pitchFamily="34" charset="-122"/>
-              </a:rPr>
-              <a:t>的</a:t>
+              <a:t>数据模型中类的</a:t>
             </a:r>
             <a:r>
               <a:rPr lang="zh-CN" altLang="en-US" sz="2400" b="1" dirty="0">
@@ -8325,7 +8267,7 @@
           <p:cNvPr id="12" name="组合 11">
             <a:extLst>
               <a:ext uri="{FF2B5EF4-FFF2-40B4-BE49-F238E27FC236}">
-                <a16:creationId xmlns:a16="http://schemas.microsoft.com/office/drawing/2014/main" xmlns="" id="{1BB43137-7F26-4517-A8A1-02D8D52F9BF1}"/>
+                <a16:creationId xmlns="" xmlns:a16="http://schemas.microsoft.com/office/drawing/2014/main" id="{1BB43137-7F26-4517-A8A1-02D8D52F9BF1}"/>
               </a:ext>
             </a:extLst>
           </p:cNvPr>
@@ -8345,7 +8287,7 @@
             <p:cNvPr id="13" name="圆角矩形 36">
               <a:extLst>
                 <a:ext uri="{FF2B5EF4-FFF2-40B4-BE49-F238E27FC236}">
-                  <a16:creationId xmlns:a16="http://schemas.microsoft.com/office/drawing/2014/main" xmlns="" id="{DEFBB06B-A904-4213-AB67-B2B32021DA52}"/>
+                  <a16:creationId xmlns="" xmlns:a16="http://schemas.microsoft.com/office/drawing/2014/main" id="{DEFBB06B-A904-4213-AB67-B2B32021DA52}"/>
                 </a:ext>
               </a:extLst>
             </p:cNvPr>
@@ -8399,7 +8341,7 @@
             <p:cNvPr id="14" name="矩形 13">
               <a:extLst>
                 <a:ext uri="{FF2B5EF4-FFF2-40B4-BE49-F238E27FC236}">
-                  <a16:creationId xmlns:a16="http://schemas.microsoft.com/office/drawing/2014/main" xmlns="" id="{F85E189F-8B3C-485C-B09C-8BF2B56BAA4E}"/>
+                  <a16:creationId xmlns="" xmlns:a16="http://schemas.microsoft.com/office/drawing/2014/main" id="{F85E189F-8B3C-485C-B09C-8BF2B56BAA4E}"/>
                 </a:ext>
               </a:extLst>
             </p:cNvPr>
@@ -8438,7 +8380,7 @@
           <p:cNvPr id="8" name="矩形 7">
             <a:extLst>
               <a:ext uri="{FF2B5EF4-FFF2-40B4-BE49-F238E27FC236}">
-                <a16:creationId xmlns:a16="http://schemas.microsoft.com/office/drawing/2014/main" xmlns="" id="{7FE39FCC-6225-41B9-8017-C84FCB56F187}"/>
+                <a16:creationId xmlns="" xmlns:a16="http://schemas.microsoft.com/office/drawing/2014/main" id="{7FE39FCC-6225-41B9-8017-C84FCB56F187}"/>
               </a:ext>
             </a:extLst>
           </p:cNvPr>
@@ -8509,7 +8451,7 @@
           <p:cNvPr id="16" name="组合 15">
             <a:extLst>
               <a:ext uri="{FF2B5EF4-FFF2-40B4-BE49-F238E27FC236}">
-                <a16:creationId xmlns:a16="http://schemas.microsoft.com/office/drawing/2014/main" xmlns="" id="{E29CAC35-BC00-4DA5-BD9A-BB5F226DE2E8}"/>
+                <a16:creationId xmlns="" xmlns:a16="http://schemas.microsoft.com/office/drawing/2014/main" id="{E29CAC35-BC00-4DA5-BD9A-BB5F226DE2E8}"/>
               </a:ext>
             </a:extLst>
           </p:cNvPr>
@@ -8529,7 +8471,7 @@
             <p:cNvPr id="17" name="圆角矩形 36">
               <a:extLst>
                 <a:ext uri="{FF2B5EF4-FFF2-40B4-BE49-F238E27FC236}">
-                  <a16:creationId xmlns:a16="http://schemas.microsoft.com/office/drawing/2014/main" xmlns="" id="{43898756-0A5C-4433-A978-FFEEF8AEE6F2}"/>
+                  <a16:creationId xmlns="" xmlns:a16="http://schemas.microsoft.com/office/drawing/2014/main" id="{43898756-0A5C-4433-A978-FFEEF8AEE6F2}"/>
                 </a:ext>
               </a:extLst>
             </p:cNvPr>
@@ -8583,7 +8525,7 @@
             <p:cNvPr id="18" name="矩形 17">
               <a:extLst>
                 <a:ext uri="{FF2B5EF4-FFF2-40B4-BE49-F238E27FC236}">
-                  <a16:creationId xmlns:a16="http://schemas.microsoft.com/office/drawing/2014/main" xmlns="" id="{9BAC13BD-AA8C-4D5E-87A3-E00A6C92F20D}"/>
+                  <a16:creationId xmlns="" xmlns:a16="http://schemas.microsoft.com/office/drawing/2014/main" id="{9BAC13BD-AA8C-4D5E-87A3-E00A6C92F20D}"/>
                 </a:ext>
               </a:extLst>
             </p:cNvPr>
@@ -8622,7 +8564,7 @@
           <p:cNvPr id="9" name="图片 8">
             <a:extLst>
               <a:ext uri="{FF2B5EF4-FFF2-40B4-BE49-F238E27FC236}">
-                <a16:creationId xmlns:a16="http://schemas.microsoft.com/office/drawing/2014/main" xmlns="" id="{E21969A0-E09C-4798-9D88-2ED8B0C6F158}"/>
+                <a16:creationId xmlns="" xmlns:a16="http://schemas.microsoft.com/office/drawing/2014/main" id="{E21969A0-E09C-4798-9D88-2ED8B0C6F158}"/>
               </a:ext>
             </a:extLst>
           </p:cNvPr>
@@ -8911,7 +8853,7 @@
           <p:cNvPr id="6" name="图片 5">
             <a:extLst>
               <a:ext uri="{FF2B5EF4-FFF2-40B4-BE49-F238E27FC236}">
-                <a16:creationId xmlns:a16="http://schemas.microsoft.com/office/drawing/2014/main" xmlns="" id="{93F1EE13-0574-4EEF-918B-FDA27117F027}"/>
+                <a16:creationId xmlns="" xmlns:a16="http://schemas.microsoft.com/office/drawing/2014/main" id="{93F1EE13-0574-4EEF-918B-FDA27117F027}"/>
               </a:ext>
             </a:extLst>
           </p:cNvPr>
@@ -8947,7 +8889,7 @@
           <p:cNvPr id="2" name="文本框 1">
             <a:extLst>
               <a:ext uri="{FF2B5EF4-FFF2-40B4-BE49-F238E27FC236}">
-                <a16:creationId xmlns:a16="http://schemas.microsoft.com/office/drawing/2014/main" xmlns="" id="{8D24E895-23E9-4C9B-B58F-E73E6A4374AB}"/>
+                <a16:creationId xmlns="" xmlns:a16="http://schemas.microsoft.com/office/drawing/2014/main" id="{8D24E895-23E9-4C9B-B58F-E73E6A4374AB}"/>
               </a:ext>
             </a:extLst>
           </p:cNvPr>
@@ -8991,7 +8933,7 @@
           <p:cNvPr id="3" name="文本框 2">
             <a:extLst>
               <a:ext uri="{FF2B5EF4-FFF2-40B4-BE49-F238E27FC236}">
-                <a16:creationId xmlns:a16="http://schemas.microsoft.com/office/drawing/2014/main" xmlns="" id="{279A1083-2D34-446B-B788-189F09843A72}"/>
+                <a16:creationId xmlns="" xmlns:a16="http://schemas.microsoft.com/office/drawing/2014/main" id="{279A1083-2D34-446B-B788-189F09843A72}"/>
               </a:ext>
             </a:extLst>
           </p:cNvPr>
@@ -9049,7 +8991,7 @@
           <p:cNvPr id="4" name="文本框 3">
             <a:extLst>
               <a:ext uri="{FF2B5EF4-FFF2-40B4-BE49-F238E27FC236}">
-                <a16:creationId xmlns:a16="http://schemas.microsoft.com/office/drawing/2014/main" xmlns="" id="{3B85EB0A-5996-4E6D-99F5-B49A9D9F02D6}"/>
+                <a16:creationId xmlns="" xmlns:a16="http://schemas.microsoft.com/office/drawing/2014/main" id="{3B85EB0A-5996-4E6D-99F5-B49A9D9F02D6}"/>
               </a:ext>
             </a:extLst>
           </p:cNvPr>
@@ -9360,7 +9302,7 @@
           <p:cNvPr id="10" name="图片 9">
             <a:extLst>
               <a:ext uri="{FF2B5EF4-FFF2-40B4-BE49-F238E27FC236}">
-                <a16:creationId xmlns:a16="http://schemas.microsoft.com/office/drawing/2014/main" xmlns="" id="{B83C6043-062A-4995-94A2-817B253EF417}"/>
+                <a16:creationId xmlns="" xmlns:a16="http://schemas.microsoft.com/office/drawing/2014/main" id="{B83C6043-062A-4995-94A2-817B253EF417}"/>
               </a:ext>
             </a:extLst>
           </p:cNvPr>
@@ -9396,7 +9338,7 @@
           <p:cNvPr id="11" name="文本框 10">
             <a:extLst>
               <a:ext uri="{FF2B5EF4-FFF2-40B4-BE49-F238E27FC236}">
-                <a16:creationId xmlns:a16="http://schemas.microsoft.com/office/drawing/2014/main" xmlns="" id="{004E5F65-076B-4AE0-93DD-A5686B2F4039}"/>
+                <a16:creationId xmlns="" xmlns:a16="http://schemas.microsoft.com/office/drawing/2014/main" id="{004E5F65-076B-4AE0-93DD-A5686B2F4039}"/>
               </a:ext>
             </a:extLst>
           </p:cNvPr>
@@ -9440,7 +9382,7 @@
           <p:cNvPr id="12" name="文本框 11">
             <a:extLst>
               <a:ext uri="{FF2B5EF4-FFF2-40B4-BE49-F238E27FC236}">
-                <a16:creationId xmlns:a16="http://schemas.microsoft.com/office/drawing/2014/main" xmlns="" id="{60C221E6-91EE-4E6A-A281-AE1A5E0FE94D}"/>
+                <a16:creationId xmlns="" xmlns:a16="http://schemas.microsoft.com/office/drawing/2014/main" id="{60C221E6-91EE-4E6A-A281-AE1A5E0FE94D}"/>
               </a:ext>
             </a:extLst>
           </p:cNvPr>
@@ -9498,7 +9440,7 @@
           <p:cNvPr id="5" name="文本框 4">
             <a:extLst>
               <a:ext uri="{FF2B5EF4-FFF2-40B4-BE49-F238E27FC236}">
-                <a16:creationId xmlns:a16="http://schemas.microsoft.com/office/drawing/2014/main" xmlns="" id="{A024B2E3-781B-441D-98CD-78FF1F20607E}"/>
+                <a16:creationId xmlns="" xmlns:a16="http://schemas.microsoft.com/office/drawing/2014/main" id="{A024B2E3-781B-441D-98CD-78FF1F20607E}"/>
               </a:ext>
             </a:extLst>
           </p:cNvPr>
@@ -9555,7 +9497,7 @@
       </p:sp>
       <p:pic>
         <p:nvPicPr>
-          <p:cNvPr id="3074" name="Picture 2"/>
+          <p:cNvPr id="3075" name="Picture 3"/>
           <p:cNvPicPr>
             <a:picLocks noChangeAspect="1" noChangeArrowheads="1"/>
           </p:cNvPicPr>
@@ -9563,70 +9505,6 @@
         </p:nvPicPr>
         <p:blipFill>
           <a:blip r:embed="rId5">
-            <a:extLst>
-              <a:ext uri="{28A0092B-C50C-407E-A947-70E740481C1C}">
-                <a14:useLocalDpi xmlns:a14="http://schemas.microsoft.com/office/drawing/2010/main" val="0"/>
-              </a:ext>
-            </a:extLst>
-          </a:blip>
-          <a:srcRect/>
-          <a:stretch>
-            <a:fillRect/>
-          </a:stretch>
-        </p:blipFill>
-        <p:spPr bwMode="auto">
-          <a:xfrm>
-            <a:off x="4298823" y="180020"/>
-            <a:ext cx="5734050" cy="1924050"/>
-          </a:xfrm>
-          <a:prstGeom prst="rect">
-            <a:avLst/>
-          </a:prstGeom>
-          <a:noFill/>
-          <a:ln>
-            <a:noFill/>
-          </a:ln>
-          <a:effectLst/>
-          <a:extLst>
-            <a:ext uri="{909E8E84-426E-40DD-AFC4-6F175D3DCCD1}">
-              <a14:hiddenFill xmlns:a14="http://schemas.microsoft.com/office/drawing/2010/main">
-                <a:solidFill>
-                  <a:schemeClr val="accent1"/>
-                </a:solidFill>
-              </a14:hiddenFill>
-            </a:ext>
-            <a:ext uri="{91240B29-F687-4F45-9708-019B960494DF}">
-              <a14:hiddenLine xmlns:a14="http://schemas.microsoft.com/office/drawing/2010/main" w="9525">
-                <a:solidFill>
-                  <a:schemeClr val="tx1"/>
-                </a:solidFill>
-                <a:miter lim="800000"/>
-                <a:headEnd/>
-                <a:tailEnd/>
-              </a14:hiddenLine>
-            </a:ext>
-            <a:ext uri="{AF507438-7753-43E0-B8FC-AC1667EBCBE1}">
-              <a14:hiddenEffects xmlns:a14="http://schemas.microsoft.com/office/drawing/2010/main">
-                <a:effectLst>
-                  <a:outerShdw dist="35921" dir="2700000" algn="ctr" rotWithShape="0">
-                    <a:schemeClr val="bg2"/>
-                  </a:outerShdw>
-                </a:effectLst>
-              </a14:hiddenEffects>
-            </a:ext>
-          </a:extLst>
-        </p:spPr>
-      </p:pic>
-      <p:pic>
-        <p:nvPicPr>
-          <p:cNvPr id="3075" name="Picture 3"/>
-          <p:cNvPicPr>
-            <a:picLocks noChangeAspect="1" noChangeArrowheads="1"/>
-          </p:cNvPicPr>
-          <p:nvPr/>
-        </p:nvPicPr>
-        <p:blipFill>
-          <a:blip r:embed="rId6">
             <a:extLst>
               <a:ext uri="{28A0092B-C50C-407E-A947-70E740481C1C}">
                 <a14:useLocalDpi xmlns:a14="http://schemas.microsoft.com/office/drawing/2010/main" val="0"/>
@@ -9677,6 +9555,47 @@
                   </a:outerShdw>
                 </a:effectLst>
               </a14:hiddenEffects>
+            </a:ext>
+          </a:extLst>
+        </p:spPr>
+      </p:pic>
+      <p:pic>
+        <p:nvPicPr>
+          <p:cNvPr id="1026" name="Picture 2" descr="C:\Users\ASUS\Documents\Tencent Files\1607109973\Image\C2C\YT7$OGYI3Y}BKBE0DJ}I{VE.png"/>
+          <p:cNvPicPr>
+            <a:picLocks noChangeAspect="1" noChangeArrowheads="1"/>
+          </p:cNvPicPr>
+          <p:nvPr/>
+        </p:nvPicPr>
+        <p:blipFill>
+          <a:blip r:embed="rId6">
+            <a:extLst>
+              <a:ext uri="{28A0092B-C50C-407E-A947-70E740481C1C}">
+                <a14:useLocalDpi xmlns:a14="http://schemas.microsoft.com/office/drawing/2010/main" val="0"/>
+              </a:ext>
+            </a:extLst>
+          </a:blip>
+          <a:srcRect/>
+          <a:stretch>
+            <a:fillRect/>
+          </a:stretch>
+        </p:blipFill>
+        <p:spPr bwMode="auto">
+          <a:xfrm>
+            <a:off x="4566342" y="158923"/>
+            <a:ext cx="5034858" cy="1893758"/>
+          </a:xfrm>
+          <a:prstGeom prst="rect">
+            <a:avLst/>
+          </a:prstGeom>
+          <a:noFill/>
+          <a:extLst>
+            <a:ext uri="{909E8E84-426E-40DD-AFC4-6F175D3DCCD1}">
+              <a14:hiddenFill xmlns:a14="http://schemas.microsoft.com/office/drawing/2010/main">
+                <a:solidFill>
+                  <a:srgbClr val="FFFFFF"/>
+                </a:solidFill>
+              </a14:hiddenFill>
             </a:ext>
           </a:extLst>
         </p:spPr>
@@ -9945,7 +9864,7 @@
           <p:cNvPr id="6" name="文本框 5">
             <a:extLst>
               <a:ext uri="{FF2B5EF4-FFF2-40B4-BE49-F238E27FC236}">
-                <a16:creationId xmlns:a16="http://schemas.microsoft.com/office/drawing/2014/main" xmlns="" id="{BBAA3E8B-770D-4962-AA8B-766B5B9723E0}"/>
+                <a16:creationId xmlns="" xmlns:a16="http://schemas.microsoft.com/office/drawing/2014/main" id="{BBAA3E8B-770D-4962-AA8B-766B5B9723E0}"/>
               </a:ext>
             </a:extLst>
           </p:cNvPr>
@@ -9989,7 +9908,7 @@
           <p:cNvPr id="7" name="文本框 6">
             <a:extLst>
               <a:ext uri="{FF2B5EF4-FFF2-40B4-BE49-F238E27FC236}">
-                <a16:creationId xmlns:a16="http://schemas.microsoft.com/office/drawing/2014/main" xmlns="" id="{BCF07966-C336-4651-9176-CC623D2F2276}"/>
+                <a16:creationId xmlns="" xmlns:a16="http://schemas.microsoft.com/office/drawing/2014/main" id="{BCF07966-C336-4651-9176-CC623D2F2276}"/>
               </a:ext>
             </a:extLst>
           </p:cNvPr>
@@ -10047,7 +9966,7 @@
           <p:cNvPr id="8" name="图片 7">
             <a:extLst>
               <a:ext uri="{FF2B5EF4-FFF2-40B4-BE49-F238E27FC236}">
-                <a16:creationId xmlns:a16="http://schemas.microsoft.com/office/drawing/2014/main" xmlns="" id="{AD6E12A1-6E7F-430B-9937-64CB6A2B42ED}"/>
+                <a16:creationId xmlns="" xmlns:a16="http://schemas.microsoft.com/office/drawing/2014/main" id="{AD6E12A1-6E7F-430B-9937-64CB6A2B42ED}"/>
               </a:ext>
             </a:extLst>
           </p:cNvPr>
@@ -10083,7 +10002,7 @@
           <p:cNvPr id="9" name="文本框 8">
             <a:extLst>
               <a:ext uri="{FF2B5EF4-FFF2-40B4-BE49-F238E27FC236}">
-                <a16:creationId xmlns:a16="http://schemas.microsoft.com/office/drawing/2014/main" xmlns="" id="{90C16AE2-A74C-4D1E-ABB9-5C0A740A5B6C}"/>
+                <a16:creationId xmlns="" xmlns:a16="http://schemas.microsoft.com/office/drawing/2014/main" id="{90C16AE2-A74C-4D1E-ABB9-5C0A740A5B6C}"/>
               </a:ext>
             </a:extLst>
           </p:cNvPr>
@@ -10127,7 +10046,7 @@
           <p:cNvPr id="2" name="文本框 1">
             <a:extLst>
               <a:ext uri="{FF2B5EF4-FFF2-40B4-BE49-F238E27FC236}">
-                <a16:creationId xmlns:a16="http://schemas.microsoft.com/office/drawing/2014/main" xmlns="" id="{4083109F-883F-4A71-84A0-C134F2B68D57}"/>
+                <a16:creationId xmlns="" xmlns:a16="http://schemas.microsoft.com/office/drawing/2014/main" id="{4083109F-883F-4A71-84A0-C134F2B68D57}"/>
               </a:ext>
             </a:extLst>
           </p:cNvPr>
@@ -10164,15 +10083,7 @@
                   <a:schemeClr val="accent4"/>
                 </a:solidFill>
               </a:rPr>
-              <a:t>类的实例负责在雷区扫雷</a:t>
-            </a:r>
-            <a:r>
-              <a:rPr lang="zh-CN" altLang="en-US" dirty="0">
-                <a:solidFill>
-                  <a:schemeClr val="accent4"/>
-                </a:solidFill>
-              </a:rPr>
-              <a:t>。对于中心空白区域的搜索，我们用的是</a:t>
+              <a:t>类的实例负责在雷区扫雷。对于中心空白区域的搜索，我们用的是</a:t>
             </a:r>
             <a:r>
               <a:rPr lang="en-US" altLang="zh-CN" dirty="0" err="1" smtClean="0">
@@ -10196,15 +10107,7 @@
                   <a:schemeClr val="accent4"/>
                 </a:solidFill>
               </a:rPr>
-              <a:t>，搜索出那些</a:t>
-            </a:r>
-            <a:r>
-              <a:rPr lang="zh-CN" altLang="en-US" dirty="0" smtClean="0">
-                <a:solidFill>
-                  <a:schemeClr val="accent4"/>
-                </a:solidFill>
-              </a:rPr>
-              <a:t>不是雷并且周围没有雷的</a:t>
+              <a:t>，搜索出那些不是雷并且周围没有雷的</a:t>
             </a:r>
             <a:r>
               <a:rPr lang="zh-CN" altLang="en-US" dirty="0">
@@ -10220,15 +10123,7 @@
                   <a:schemeClr val="accent4"/>
                 </a:solidFill>
               </a:rPr>
-              <a:t>将那些方块压入栈，用于之后视图的显示</a:t>
-            </a:r>
-            <a:r>
-              <a:rPr lang="zh-CN" altLang="en-US" dirty="0" smtClean="0">
-                <a:solidFill>
-                  <a:schemeClr val="accent4"/>
-                </a:solidFill>
-              </a:rPr>
-              <a:t>。该实例还会判断输赢，当剩余方块数等于雷数时游戏胜利。</a:t>
+              <a:t>将那些方块压入栈，用于之后视图的显示。该实例还会判断输赢，当剩余方块数等于雷数时游戏胜利。</a:t>
             </a:r>
             <a:endParaRPr lang="zh-CN" altLang="en-US" dirty="0">
               <a:solidFill>
@@ -10722,7 +10617,7 @@
           <p:cNvPr id="9" name="文本框 8">
             <a:extLst>
               <a:ext uri="{FF2B5EF4-FFF2-40B4-BE49-F238E27FC236}">
-                <a16:creationId xmlns:a16="http://schemas.microsoft.com/office/drawing/2014/main" xmlns="" id="{C594748C-E56C-4DE1-8FE5-7044A40569C8}"/>
+                <a16:creationId xmlns="" xmlns:a16="http://schemas.microsoft.com/office/drawing/2014/main" id="{C594748C-E56C-4DE1-8FE5-7044A40569C8}"/>
               </a:ext>
             </a:extLst>
           </p:cNvPr>
@@ -10780,7 +10675,7 @@
           <p:cNvPr id="10" name="图片 9">
             <a:extLst>
               <a:ext uri="{FF2B5EF4-FFF2-40B4-BE49-F238E27FC236}">
-                <a16:creationId xmlns:a16="http://schemas.microsoft.com/office/drawing/2014/main" xmlns="" id="{1E6A482D-648E-4227-A0C1-EE1C8213F17E}"/>
+                <a16:creationId xmlns="" xmlns:a16="http://schemas.microsoft.com/office/drawing/2014/main" id="{1E6A482D-648E-4227-A0C1-EE1C8213F17E}"/>
               </a:ext>
             </a:extLst>
           </p:cNvPr>
@@ -10816,7 +10711,7 @@
           <p:cNvPr id="2" name="矩形 1">
             <a:extLst>
               <a:ext uri="{FF2B5EF4-FFF2-40B4-BE49-F238E27FC236}">
-                <a16:creationId xmlns:a16="http://schemas.microsoft.com/office/drawing/2014/main" xmlns="" id="{F230BA95-A94E-4B94-9600-CB52C36D3C10}"/>
+                <a16:creationId xmlns="" xmlns:a16="http://schemas.microsoft.com/office/drawing/2014/main" id="{F230BA95-A94E-4B94-9600-CB52C36D3C10}"/>
               </a:ext>
             </a:extLst>
           </p:cNvPr>
@@ -10859,7 +10754,7 @@
           <p:cNvPr id="4" name="文本框 3">
             <a:extLst>
               <a:ext uri="{FF2B5EF4-FFF2-40B4-BE49-F238E27FC236}">
-                <a16:creationId xmlns:a16="http://schemas.microsoft.com/office/drawing/2014/main" xmlns="" id="{1DEE4854-D93E-4597-B3F9-21788F6B34BB}"/>
+                <a16:creationId xmlns="" xmlns:a16="http://schemas.microsoft.com/office/drawing/2014/main" id="{1DEE4854-D93E-4597-B3F9-21788F6B34BB}"/>
               </a:ext>
             </a:extLst>
           </p:cNvPr>
@@ -11010,7 +10905,7 @@
           <p:cNvPr id="14" name="文本框 13">
             <a:extLst>
               <a:ext uri="{FF2B5EF4-FFF2-40B4-BE49-F238E27FC236}">
-                <a16:creationId xmlns:a16="http://schemas.microsoft.com/office/drawing/2014/main" xmlns="" id="{70DA88EF-6BEF-41AB-AC04-B8ADB57C602C}"/>
+                <a16:creationId xmlns="" xmlns:a16="http://schemas.microsoft.com/office/drawing/2014/main" id="{70DA88EF-6BEF-41AB-AC04-B8ADB57C602C}"/>
               </a:ext>
             </a:extLst>
           </p:cNvPr>
@@ -11068,7 +10963,7 @@
           <p:cNvPr id="16" name="图片 15">
             <a:extLst>
               <a:ext uri="{FF2B5EF4-FFF2-40B4-BE49-F238E27FC236}">
-                <a16:creationId xmlns:a16="http://schemas.microsoft.com/office/drawing/2014/main" xmlns="" id="{3DD33D1A-C6C9-4371-96A2-712F0F6235C2}"/>
+                <a16:creationId xmlns="" xmlns:a16="http://schemas.microsoft.com/office/drawing/2014/main" id="{3DD33D1A-C6C9-4371-96A2-712F0F6235C2}"/>
               </a:ext>
             </a:extLst>
           </p:cNvPr>
@@ -11104,7 +10999,7 @@
           <p:cNvPr id="17" name="矩形 16">
             <a:extLst>
               <a:ext uri="{FF2B5EF4-FFF2-40B4-BE49-F238E27FC236}">
-                <a16:creationId xmlns:a16="http://schemas.microsoft.com/office/drawing/2014/main" xmlns="" id="{5305EC5F-94E3-48F0-AB50-A71230CEB056}"/>
+                <a16:creationId xmlns="" xmlns:a16="http://schemas.microsoft.com/office/drawing/2014/main" id="{5305EC5F-94E3-48F0-AB50-A71230CEB056}"/>
               </a:ext>
             </a:extLst>
           </p:cNvPr>
@@ -11147,7 +11042,7 @@
           <p:cNvPr id="5" name="文本框 4">
             <a:extLst>
               <a:ext uri="{FF2B5EF4-FFF2-40B4-BE49-F238E27FC236}">
-                <a16:creationId xmlns:a16="http://schemas.microsoft.com/office/drawing/2014/main" xmlns="" id="{CDEA60FC-5F17-4673-9D96-F42923745C54}"/>
+                <a16:creationId xmlns="" xmlns:a16="http://schemas.microsoft.com/office/drawing/2014/main" id="{CDEA60FC-5F17-4673-9D96-F42923745C54}"/>
               </a:ext>
             </a:extLst>
           </p:cNvPr>
@@ -12843,7 +12738,7 @@
           <p:cNvPr id="12" name="组合 11">
             <a:extLst>
               <a:ext uri="{FF2B5EF4-FFF2-40B4-BE49-F238E27FC236}">
-                <a16:creationId xmlns:a16="http://schemas.microsoft.com/office/drawing/2014/main" xmlns="" id="{21131323-24D3-4EAD-9582-6E259A0621CC}"/>
+                <a16:creationId xmlns="" xmlns:a16="http://schemas.microsoft.com/office/drawing/2014/main" id="{21131323-24D3-4EAD-9582-6E259A0621CC}"/>
               </a:ext>
             </a:extLst>
           </p:cNvPr>
@@ -12863,7 +12758,7 @@
             <p:cNvPr id="13" name="圆角矩形 36">
               <a:extLst>
                 <a:ext uri="{FF2B5EF4-FFF2-40B4-BE49-F238E27FC236}">
-                  <a16:creationId xmlns:a16="http://schemas.microsoft.com/office/drawing/2014/main" xmlns="" id="{76CEDCD3-D29C-458C-978A-4E0316B6A7F9}"/>
+                  <a16:creationId xmlns="" xmlns:a16="http://schemas.microsoft.com/office/drawing/2014/main" id="{76CEDCD3-D29C-458C-978A-4E0316B6A7F9}"/>
                 </a:ext>
               </a:extLst>
             </p:cNvPr>
@@ -12917,7 +12812,7 @@
             <p:cNvPr id="14" name="矩形 13">
               <a:extLst>
                 <a:ext uri="{FF2B5EF4-FFF2-40B4-BE49-F238E27FC236}">
-                  <a16:creationId xmlns:a16="http://schemas.microsoft.com/office/drawing/2014/main" xmlns="" id="{6D029018-E090-4ECC-BDD7-0C92329A3A4C}"/>
+                  <a16:creationId xmlns="" xmlns:a16="http://schemas.microsoft.com/office/drawing/2014/main" id="{6D029018-E090-4ECC-BDD7-0C92329A3A4C}"/>
                 </a:ext>
               </a:extLst>
             </p:cNvPr>
@@ -12956,7 +12851,7 @@
           <p:cNvPr id="5" name="图片 4">
             <a:extLst>
               <a:ext uri="{FF2B5EF4-FFF2-40B4-BE49-F238E27FC236}">
-                <a16:creationId xmlns:a16="http://schemas.microsoft.com/office/drawing/2014/main" xmlns="" id="{829B4E22-EE90-4D23-B5CD-A00697D4F12D}"/>
+                <a16:creationId xmlns="" xmlns:a16="http://schemas.microsoft.com/office/drawing/2014/main" id="{829B4E22-EE90-4D23-B5CD-A00697D4F12D}"/>
               </a:ext>
             </a:extLst>
           </p:cNvPr>
@@ -15450,7 +15345,7 @@
           <p:cNvPr id="2" name="Rectangle 1">
             <a:extLst>
               <a:ext uri="{FF2B5EF4-FFF2-40B4-BE49-F238E27FC236}">
-                <a16:creationId xmlns:a16="http://schemas.microsoft.com/office/drawing/2014/main" xmlns="" id="{0A9EB971-8D63-46D5-B43A-1419EB3D84F2}"/>
+                <a16:creationId xmlns="" xmlns:a16="http://schemas.microsoft.com/office/drawing/2014/main" id="{0A9EB971-8D63-46D5-B43A-1419EB3D84F2}"/>
               </a:ext>
             </a:extLst>
           </p:cNvPr>
@@ -16375,29 +16270,7 @@
                 <a:ea typeface="宋体" panose="02010600030101010101" pitchFamily="2" charset="-122"/>
                 <a:sym typeface="宋体" panose="02010600030101010101" pitchFamily="2" charset="-122"/>
               </a:rPr>
-              <a:t>数字</a:t>
-            </a:r>
-            <a:r>
-              <a:rPr lang="zh-CN" altLang="en-US" sz="1600" dirty="0" smtClean="0">
-                <a:solidFill>
-                  <a:srgbClr val="FFFFFF"/>
-                </a:solidFill>
-                <a:latin typeface="宋体" panose="02010600030101010101" pitchFamily="2" charset="-122"/>
-                <a:ea typeface="宋体" panose="02010600030101010101" pitchFamily="2" charset="-122"/>
-                <a:sym typeface="宋体" panose="02010600030101010101" pitchFamily="2" charset="-122"/>
-              </a:rPr>
-              <a:t>或者空白</a:t>
-            </a:r>
-            <a:r>
-              <a:rPr lang="zh-CN" altLang="en-US" sz="1600" dirty="0" smtClean="0">
-                <a:solidFill>
-                  <a:srgbClr val="FFFFFF"/>
-                </a:solidFill>
-                <a:latin typeface="宋体" panose="02010600030101010101" pitchFamily="2" charset="-122"/>
-                <a:ea typeface="宋体" panose="02010600030101010101" pitchFamily="2" charset="-122"/>
-                <a:sym typeface="宋体" panose="02010600030101010101" pitchFamily="2" charset="-122"/>
-              </a:rPr>
-              <a:t>，</a:t>
+              <a:t>数字或者空白，</a:t>
             </a:r>
             <a:r>
               <a:rPr lang="zh-CN" altLang="en-US" sz="1600" dirty="0">
@@ -17398,7 +17271,7 @@
           <p:cNvPr id="3" name="Rectangle 1">
             <a:extLst>
               <a:ext uri="{FF2B5EF4-FFF2-40B4-BE49-F238E27FC236}">
-                <a16:creationId xmlns:a16="http://schemas.microsoft.com/office/drawing/2014/main" xmlns="" id="{B3C1F130-53D6-4350-AF8D-AEB8717C87CE}"/>
+                <a16:creationId xmlns="" xmlns:a16="http://schemas.microsoft.com/office/drawing/2014/main" id="{B3C1F130-53D6-4350-AF8D-AEB8717C87CE}"/>
               </a:ext>
             </a:extLst>
           </p:cNvPr>
@@ -21136,7 +21009,7 @@
           <p:cNvPr id="50" name="组合 49">
             <a:extLst>
               <a:ext uri="{FF2B5EF4-FFF2-40B4-BE49-F238E27FC236}">
-                <a16:creationId xmlns:a16="http://schemas.microsoft.com/office/drawing/2014/main" xmlns="" id="{8B871A9B-1EBD-438B-BC9D-D3E5CC3E462D}"/>
+                <a16:creationId xmlns="" xmlns:a16="http://schemas.microsoft.com/office/drawing/2014/main" id="{8B871A9B-1EBD-438B-BC9D-D3E5CC3E462D}"/>
               </a:ext>
             </a:extLst>
           </p:cNvPr>
@@ -21156,7 +21029,7 @@
             <p:cNvPr id="51" name="椭圆 50">
               <a:extLst>
                 <a:ext uri="{FF2B5EF4-FFF2-40B4-BE49-F238E27FC236}">
-                  <a16:creationId xmlns:a16="http://schemas.microsoft.com/office/drawing/2014/main" xmlns="" id="{26638CA2-276A-4B07-8549-218EB383AFEF}"/>
+                  <a16:creationId xmlns="" xmlns:a16="http://schemas.microsoft.com/office/drawing/2014/main" id="{26638CA2-276A-4B07-8549-218EB383AFEF}"/>
                 </a:ext>
               </a:extLst>
             </p:cNvPr>
@@ -21243,7 +21116,7 @@
             <p:cNvPr id="52" name="Text Placeholder 12">
               <a:extLst>
                 <a:ext uri="{FF2B5EF4-FFF2-40B4-BE49-F238E27FC236}">
-                  <a16:creationId xmlns:a16="http://schemas.microsoft.com/office/drawing/2014/main" xmlns="" id="{B896306F-337B-4FFF-B4B3-8E326839CFC0}"/>
+                  <a16:creationId xmlns="" xmlns:a16="http://schemas.microsoft.com/office/drawing/2014/main" id="{B896306F-337B-4FFF-B4B3-8E326839CFC0}"/>
                 </a:ext>
               </a:extLst>
             </p:cNvPr>
@@ -21494,7 +21367,7 @@
           <p:cNvPr id="56" name="组合 55">
             <a:extLst>
               <a:ext uri="{FF2B5EF4-FFF2-40B4-BE49-F238E27FC236}">
-                <a16:creationId xmlns:a16="http://schemas.microsoft.com/office/drawing/2014/main" xmlns="" id="{AF11E925-BF8E-462E-A289-67CA8F38C4E1}"/>
+                <a16:creationId xmlns="" xmlns:a16="http://schemas.microsoft.com/office/drawing/2014/main" id="{AF11E925-BF8E-462E-A289-67CA8F38C4E1}"/>
               </a:ext>
             </a:extLst>
           </p:cNvPr>
@@ -21514,7 +21387,7 @@
             <p:cNvPr id="57" name="椭圆 56">
               <a:extLst>
                 <a:ext uri="{FF2B5EF4-FFF2-40B4-BE49-F238E27FC236}">
-                  <a16:creationId xmlns:a16="http://schemas.microsoft.com/office/drawing/2014/main" xmlns="" id="{3EE8B586-7B2F-4B9A-BCE7-2207384B2B2A}"/>
+                  <a16:creationId xmlns="" xmlns:a16="http://schemas.microsoft.com/office/drawing/2014/main" id="{3EE8B586-7B2F-4B9A-BCE7-2207384B2B2A}"/>
                 </a:ext>
               </a:extLst>
             </p:cNvPr>
@@ -21601,7 +21474,7 @@
             <p:cNvPr id="58" name="Text Placeholder 12">
               <a:extLst>
                 <a:ext uri="{FF2B5EF4-FFF2-40B4-BE49-F238E27FC236}">
-                  <a16:creationId xmlns:a16="http://schemas.microsoft.com/office/drawing/2014/main" xmlns="" id="{6BACE58C-DC46-4ECE-B71D-EB4B3A3666CB}"/>
+                  <a16:creationId xmlns="" xmlns:a16="http://schemas.microsoft.com/office/drawing/2014/main" id="{6BACE58C-DC46-4ECE-B71D-EB4B3A3666CB}"/>
                 </a:ext>
               </a:extLst>
             </p:cNvPr>
@@ -21852,7 +21725,7 @@
           <p:cNvPr id="59" name="组合 58">
             <a:extLst>
               <a:ext uri="{FF2B5EF4-FFF2-40B4-BE49-F238E27FC236}">
-                <a16:creationId xmlns:a16="http://schemas.microsoft.com/office/drawing/2014/main" xmlns="" id="{E8463CD2-8FFF-40D4-8AD5-75DB016633E9}"/>
+                <a16:creationId xmlns="" xmlns:a16="http://schemas.microsoft.com/office/drawing/2014/main" id="{E8463CD2-8FFF-40D4-8AD5-75DB016633E9}"/>
               </a:ext>
             </a:extLst>
           </p:cNvPr>
@@ -21872,7 +21745,7 @@
             <p:cNvPr id="60" name="椭圆 59">
               <a:extLst>
                 <a:ext uri="{FF2B5EF4-FFF2-40B4-BE49-F238E27FC236}">
-                  <a16:creationId xmlns:a16="http://schemas.microsoft.com/office/drawing/2014/main" xmlns="" id="{04FE9853-37E3-4598-A186-4FF6569F6D5D}"/>
+                  <a16:creationId xmlns="" xmlns:a16="http://schemas.microsoft.com/office/drawing/2014/main" id="{04FE9853-37E3-4598-A186-4FF6569F6D5D}"/>
                 </a:ext>
               </a:extLst>
             </p:cNvPr>
@@ -21959,7 +21832,7 @@
             <p:cNvPr id="61" name="Text Placeholder 12">
               <a:extLst>
                 <a:ext uri="{FF2B5EF4-FFF2-40B4-BE49-F238E27FC236}">
-                  <a16:creationId xmlns:a16="http://schemas.microsoft.com/office/drawing/2014/main" xmlns="" id="{FF4EA899-BC51-4350-8D42-88AE93CCB81A}"/>
+                  <a16:creationId xmlns="" xmlns:a16="http://schemas.microsoft.com/office/drawing/2014/main" id="{FF4EA899-BC51-4350-8D42-88AE93CCB81A}"/>
                 </a:ext>
               </a:extLst>
             </p:cNvPr>
@@ -22210,7 +22083,7 @@
           <p:cNvPr id="62" name="组合 61">
             <a:extLst>
               <a:ext uri="{FF2B5EF4-FFF2-40B4-BE49-F238E27FC236}">
-                <a16:creationId xmlns:a16="http://schemas.microsoft.com/office/drawing/2014/main" xmlns="" id="{A7365BA1-375A-4FDE-A2A4-F29AAA65BF2C}"/>
+                <a16:creationId xmlns="" xmlns:a16="http://schemas.microsoft.com/office/drawing/2014/main" id="{A7365BA1-375A-4FDE-A2A4-F29AAA65BF2C}"/>
               </a:ext>
             </a:extLst>
           </p:cNvPr>
@@ -22230,7 +22103,7 @@
             <p:cNvPr id="63" name="椭圆 62">
               <a:extLst>
                 <a:ext uri="{FF2B5EF4-FFF2-40B4-BE49-F238E27FC236}">
-                  <a16:creationId xmlns:a16="http://schemas.microsoft.com/office/drawing/2014/main" xmlns="" id="{BEA0D513-B9FD-4210-8694-F0953E7C9B3E}"/>
+                  <a16:creationId xmlns="" xmlns:a16="http://schemas.microsoft.com/office/drawing/2014/main" id="{BEA0D513-B9FD-4210-8694-F0953E7C9B3E}"/>
                 </a:ext>
               </a:extLst>
             </p:cNvPr>
@@ -22317,7 +22190,7 @@
             <p:cNvPr id="64" name="Text Placeholder 12">
               <a:extLst>
                 <a:ext uri="{FF2B5EF4-FFF2-40B4-BE49-F238E27FC236}">
-                  <a16:creationId xmlns:a16="http://schemas.microsoft.com/office/drawing/2014/main" xmlns="" id="{1FAF2991-9557-4DA9-A812-8652BAA34181}"/>
+                  <a16:creationId xmlns="" xmlns:a16="http://schemas.microsoft.com/office/drawing/2014/main" id="{1FAF2991-9557-4DA9-A812-8652BAA34181}"/>
                 </a:ext>
               </a:extLst>
             </p:cNvPr>
@@ -22568,7 +22441,7 @@
           <p:cNvPr id="2" name="文本框 1">
             <a:extLst>
               <a:ext uri="{FF2B5EF4-FFF2-40B4-BE49-F238E27FC236}">
-                <a16:creationId xmlns:a16="http://schemas.microsoft.com/office/drawing/2014/main" xmlns="" id="{DB350781-36E8-4ACD-A1BB-1C01B0D28C2F}"/>
+                <a16:creationId xmlns="" xmlns:a16="http://schemas.microsoft.com/office/drawing/2014/main" id="{DB350781-36E8-4ACD-A1BB-1C01B0D28C2F}"/>
               </a:ext>
             </a:extLst>
           </p:cNvPr>
@@ -22609,7 +22482,7 @@
           <p:cNvPr id="5" name="文本框 4">
             <a:extLst>
               <a:ext uri="{FF2B5EF4-FFF2-40B4-BE49-F238E27FC236}">
-                <a16:creationId xmlns:a16="http://schemas.microsoft.com/office/drawing/2014/main" xmlns="" id="{0C2075E8-4004-4725-8739-83D2F7DCF181}"/>
+                <a16:creationId xmlns="" xmlns:a16="http://schemas.microsoft.com/office/drawing/2014/main" id="{0C2075E8-4004-4725-8739-83D2F7DCF181}"/>
               </a:ext>
             </a:extLst>
           </p:cNvPr>
@@ -22650,7 +22523,7 @@
           <p:cNvPr id="65" name="文本框 64">
             <a:extLst>
               <a:ext uri="{FF2B5EF4-FFF2-40B4-BE49-F238E27FC236}">
-                <a16:creationId xmlns:a16="http://schemas.microsoft.com/office/drawing/2014/main" xmlns="" id="{EEE2D32E-390F-4058-84EF-D719DDA19257}"/>
+                <a16:creationId xmlns="" xmlns:a16="http://schemas.microsoft.com/office/drawing/2014/main" id="{EEE2D32E-390F-4058-84EF-D719DDA19257}"/>
               </a:ext>
             </a:extLst>
           </p:cNvPr>
@@ -22691,7 +22564,7 @@
           <p:cNvPr id="66" name="文本框 65">
             <a:extLst>
               <a:ext uri="{FF2B5EF4-FFF2-40B4-BE49-F238E27FC236}">
-                <a16:creationId xmlns:a16="http://schemas.microsoft.com/office/drawing/2014/main" xmlns="" id="{B466F28E-0858-4704-B1CB-6F2855AE8F57}"/>
+                <a16:creationId xmlns="" xmlns:a16="http://schemas.microsoft.com/office/drawing/2014/main" id="{B466F28E-0858-4704-B1CB-6F2855AE8F57}"/>
               </a:ext>
             </a:extLst>
           </p:cNvPr>
@@ -22986,7 +22859,7 @@
           <p:cNvPr id="4" name="图片 3">
             <a:extLst>
               <a:ext uri="{FF2B5EF4-FFF2-40B4-BE49-F238E27FC236}">
-                <a16:creationId xmlns:a16="http://schemas.microsoft.com/office/drawing/2014/main" xmlns="" id="{EA09F5DB-755F-45A5-8972-5A7FDC08296F}"/>
+                <a16:creationId xmlns="" xmlns:a16="http://schemas.microsoft.com/office/drawing/2014/main" id="{EA09F5DB-755F-45A5-8972-5A7FDC08296F}"/>
               </a:ext>
             </a:extLst>
           </p:cNvPr>
@@ -23016,7 +22889,7 @@
           <p:cNvPr id="5" name="图片 4">
             <a:extLst>
               <a:ext uri="{FF2B5EF4-FFF2-40B4-BE49-F238E27FC236}">
-                <a16:creationId xmlns:a16="http://schemas.microsoft.com/office/drawing/2014/main" xmlns="" id="{314AF3EA-F1CF-4A43-9D1F-9605904D2D35}"/>
+                <a16:creationId xmlns="" xmlns:a16="http://schemas.microsoft.com/office/drawing/2014/main" id="{314AF3EA-F1CF-4A43-9D1F-9605904D2D35}"/>
               </a:ext>
             </a:extLst>
           </p:cNvPr>
@@ -23046,7 +22919,7 @@
           <p:cNvPr id="6" name="文本框 5">
             <a:extLst>
               <a:ext uri="{FF2B5EF4-FFF2-40B4-BE49-F238E27FC236}">
-                <a16:creationId xmlns:a16="http://schemas.microsoft.com/office/drawing/2014/main" xmlns="" id="{3A95A986-A3C5-495A-A2A4-D565F4114AA4}"/>
+                <a16:creationId xmlns="" xmlns:a16="http://schemas.microsoft.com/office/drawing/2014/main" id="{3A95A986-A3C5-495A-A2A4-D565F4114AA4}"/>
               </a:ext>
             </a:extLst>
           </p:cNvPr>
@@ -23085,7 +22958,7 @@
           <p:cNvPr id="7" name="文本框 6">
             <a:extLst>
               <a:ext uri="{FF2B5EF4-FFF2-40B4-BE49-F238E27FC236}">
-                <a16:creationId xmlns:a16="http://schemas.microsoft.com/office/drawing/2014/main" xmlns="" id="{CBB6F256-69E2-4CDD-84F4-C60D8925B415}"/>
+                <a16:creationId xmlns="" xmlns:a16="http://schemas.microsoft.com/office/drawing/2014/main" id="{CBB6F256-69E2-4CDD-84F4-C60D8925B415}"/>
               </a:ext>
             </a:extLst>
           </p:cNvPr>
@@ -23299,7 +23172,7 @@
           <p:cNvPr id="2" name="文本框 1">
             <a:extLst>
               <a:ext uri="{FF2B5EF4-FFF2-40B4-BE49-F238E27FC236}">
-                <a16:creationId xmlns:a16="http://schemas.microsoft.com/office/drawing/2014/main" xmlns="" id="{61E869B1-EAC3-4735-9FF4-CE34F7E963CF}"/>
+                <a16:creationId xmlns="" xmlns:a16="http://schemas.microsoft.com/office/drawing/2014/main" id="{61E869B1-EAC3-4735-9FF4-CE34F7E963CF}"/>
               </a:ext>
             </a:extLst>
           </p:cNvPr>
@@ -23338,7 +23211,7 @@
           <p:cNvPr id="3" name="图片 2">
             <a:extLst>
               <a:ext uri="{FF2B5EF4-FFF2-40B4-BE49-F238E27FC236}">
-                <a16:creationId xmlns:a16="http://schemas.microsoft.com/office/drawing/2014/main" xmlns="" id="{B04E3A83-2B4E-4222-A6FD-03A7FB880372}"/>
+                <a16:creationId xmlns="" xmlns:a16="http://schemas.microsoft.com/office/drawing/2014/main" id="{B04E3A83-2B4E-4222-A6FD-03A7FB880372}"/>
               </a:ext>
             </a:extLst>
           </p:cNvPr>
@@ -23368,7 +23241,7 @@
           <p:cNvPr id="4" name="图片 3">
             <a:extLst>
               <a:ext uri="{FF2B5EF4-FFF2-40B4-BE49-F238E27FC236}">
-                <a16:creationId xmlns:a16="http://schemas.microsoft.com/office/drawing/2014/main" xmlns="" id="{FA8DDC39-2805-4E62-9C20-CD4AF7EEBF13}"/>
+                <a16:creationId xmlns="" xmlns:a16="http://schemas.microsoft.com/office/drawing/2014/main" id="{FA8DDC39-2805-4E62-9C20-CD4AF7EEBF13}"/>
               </a:ext>
             </a:extLst>
           </p:cNvPr>
@@ -23398,7 +23271,7 @@
           <p:cNvPr id="5" name="文本框 4">
             <a:extLst>
               <a:ext uri="{FF2B5EF4-FFF2-40B4-BE49-F238E27FC236}">
-                <a16:creationId xmlns:a16="http://schemas.microsoft.com/office/drawing/2014/main" xmlns="" id="{A9A48000-83FA-439F-9BD4-974B9D220C89}"/>
+                <a16:creationId xmlns="" xmlns:a16="http://schemas.microsoft.com/office/drawing/2014/main" id="{A9A48000-83FA-439F-9BD4-974B9D220C89}"/>
               </a:ext>
             </a:extLst>
           </p:cNvPr>
@@ -23437,7 +23310,7 @@
           <p:cNvPr id="6" name="图片 5">
             <a:extLst>
               <a:ext uri="{FF2B5EF4-FFF2-40B4-BE49-F238E27FC236}">
-                <a16:creationId xmlns:a16="http://schemas.microsoft.com/office/drawing/2014/main" xmlns="" id="{895CEF0B-904E-4894-9A6F-B0DC97EDA94A}"/>
+                <a16:creationId xmlns="" xmlns:a16="http://schemas.microsoft.com/office/drawing/2014/main" id="{895CEF0B-904E-4894-9A6F-B0DC97EDA94A}"/>
               </a:ext>
             </a:extLst>
           </p:cNvPr>
@@ -23467,7 +23340,7 @@
           <p:cNvPr id="7" name="文本框 6">
             <a:extLst>
               <a:ext uri="{FF2B5EF4-FFF2-40B4-BE49-F238E27FC236}">
-                <a16:creationId xmlns:a16="http://schemas.microsoft.com/office/drawing/2014/main" xmlns="" id="{AF033250-D13F-4971-8E78-1FABED86ADDB}"/>
+                <a16:creationId xmlns="" xmlns:a16="http://schemas.microsoft.com/office/drawing/2014/main" id="{AF033250-D13F-4971-8E78-1FABED86ADDB}"/>
               </a:ext>
             </a:extLst>
           </p:cNvPr>
@@ -23713,7 +23586,7 @@
           <p:cNvPr id="4" name="图片 3">
             <a:extLst>
               <a:ext uri="{FF2B5EF4-FFF2-40B4-BE49-F238E27FC236}">
-                <a16:creationId xmlns:a16="http://schemas.microsoft.com/office/drawing/2014/main" xmlns="" id="{993CC6B3-4D85-4758-8766-5E4E64DCB4D0}"/>
+                <a16:creationId xmlns="" xmlns:a16="http://schemas.microsoft.com/office/drawing/2014/main" id="{993CC6B3-4D85-4758-8766-5E4E64DCB4D0}"/>
               </a:ext>
             </a:extLst>
           </p:cNvPr>
@@ -23743,7 +23616,7 @@
           <p:cNvPr id="5" name="文本框 4">
             <a:extLst>
               <a:ext uri="{FF2B5EF4-FFF2-40B4-BE49-F238E27FC236}">
-                <a16:creationId xmlns:a16="http://schemas.microsoft.com/office/drawing/2014/main" xmlns="" id="{17CB912A-3CB0-4468-80DB-34612505CCD5}"/>
+                <a16:creationId xmlns="" xmlns:a16="http://schemas.microsoft.com/office/drawing/2014/main" id="{17CB912A-3CB0-4468-80DB-34612505CCD5}"/>
               </a:ext>
             </a:extLst>
           </p:cNvPr>
@@ -23782,7 +23655,7 @@
           <p:cNvPr id="6" name="图片 5">
             <a:extLst>
               <a:ext uri="{FF2B5EF4-FFF2-40B4-BE49-F238E27FC236}">
-                <a16:creationId xmlns:a16="http://schemas.microsoft.com/office/drawing/2014/main" xmlns="" id="{01F153E7-0141-42BA-AFB8-51B441813A65}"/>
+                <a16:creationId xmlns="" xmlns:a16="http://schemas.microsoft.com/office/drawing/2014/main" id="{01F153E7-0141-42BA-AFB8-51B441813A65}"/>
               </a:ext>
             </a:extLst>
           </p:cNvPr>
@@ -23812,7 +23685,7 @@
           <p:cNvPr id="7" name="文本框 6">
             <a:extLst>
               <a:ext uri="{FF2B5EF4-FFF2-40B4-BE49-F238E27FC236}">
-                <a16:creationId xmlns:a16="http://schemas.microsoft.com/office/drawing/2014/main" xmlns="" id="{C6BE2570-4702-43B5-97F3-ADB3D6A74A18}"/>
+                <a16:creationId xmlns="" xmlns:a16="http://schemas.microsoft.com/office/drawing/2014/main" id="{C6BE2570-4702-43B5-97F3-ADB3D6A74A18}"/>
               </a:ext>
             </a:extLst>
           </p:cNvPr>
@@ -24893,7 +24766,7 @@
   </a:extraClrSchemeLst>
   <a:extLst>
     <a:ext uri="{05A4C25C-085E-4340-85A3-A5531E510DB2}">
-      <thm15:themeFamily xmlns:thm15="http://schemas.microsoft.com/office/thememl/2012/main" xmlns="" name="Office Theme" id="{62F939B6-93AF-4DB8-9C6B-D6C7DFDC589F}" vid="{4A3C46E8-61CC-4603-A589-7422A47A8E4A}"/>
+      <thm15:themeFamily xmlns="" xmlns:thm15="http://schemas.microsoft.com/office/thememl/2012/main" name="Office Theme" id="{62F939B6-93AF-4DB8-9C6B-D6C7DFDC589F}" vid="{4A3C46E8-61CC-4603-A589-7422A47A8E4A}"/>
     </a:ext>
   </a:extLst>
 </a:theme>
@@ -25183,7 +25056,7 @@
   <a:extraClrSchemeLst/>
   <a:extLst>
     <a:ext uri="{05A4C25C-085E-4340-85A3-A5531E510DB2}">
-      <thm15:themeFamily xmlns:thm15="http://schemas.microsoft.com/office/thememl/2012/main" xmlns="" name="Office Theme" id="{62F939B6-93AF-4DB8-9C6B-D6C7DFDC589F}" vid="{4A3C46E8-61CC-4603-A589-7422A47A8E4A}"/>
+      <thm15:themeFamily xmlns="" xmlns:thm15="http://schemas.microsoft.com/office/thememl/2012/main" name="Office Theme" id="{62F939B6-93AF-4DB8-9C6B-D6C7DFDC589F}" vid="{4A3C46E8-61CC-4603-A589-7422A47A8E4A}"/>
     </a:ext>
   </a:extLst>
 </a:theme>
